--- a/uke_4/slides/aws-sqs-sns.pptx
+++ b/uke_4/slides/aws-sqs-sns.pptx
@@ -228,7 +228,7 @@
           <a:p>
             <a:fld id="{D2B9E9F1-0B31-7C42-8FFA-24EEB5345660}" type="datetimeFigureOut">
               <a:rPr lang="en-NO" smtClean="0"/>
-              <a:t>23/01/2025</a:t>
+              <a:t>23/01/2026</a:t>
             </a:fld>
             <a:endParaRPr lang="en-NO"/>
           </a:p>
@@ -625,7 +625,7 @@
           <a:p>
             <a:fld id="{2E405B87-0B1C-464B-928F-AA5E9D282D70}" type="datetimeFigureOut">
               <a:rPr lang="en-US" smtClean="0"/>
-              <a:t>1/23/25</a:t>
+              <a:t>1/23/26</a:t>
             </a:fld>
             <a:endParaRPr lang="en-US"/>
           </a:p>
@@ -959,7 +959,7 @@
           <a:p>
             <a:fld id="{2E405B87-0B1C-464B-928F-AA5E9D282D70}" type="datetimeFigureOut">
               <a:rPr lang="en-US" smtClean="0"/>
-              <a:t>1/23/25</a:t>
+              <a:t>1/23/26</a:t>
             </a:fld>
             <a:endParaRPr lang="en-US"/>
           </a:p>
@@ -1408,7 +1408,7 @@
           <a:p>
             <a:fld id="{2E405B87-0B1C-464B-928F-AA5E9D282D70}" type="datetimeFigureOut">
               <a:rPr lang="en-US" smtClean="0"/>
-              <a:t>1/23/25</a:t>
+              <a:t>1/23/26</a:t>
             </a:fld>
             <a:endParaRPr lang="en-US"/>
           </a:p>
@@ -2082,7 +2082,7 @@
           <a:p>
             <a:fld id="{2E405B87-0B1C-464B-928F-AA5E9D282D70}" type="datetimeFigureOut">
               <a:rPr lang="en-US" smtClean="0"/>
-              <a:t>1/23/25</a:t>
+              <a:t>1/23/26</a:t>
             </a:fld>
             <a:endParaRPr lang="en-US"/>
           </a:p>
@@ -2316,7 +2316,7 @@
           <a:p>
             <a:fld id="{2E405B87-0B1C-464B-928F-AA5E9D282D70}" type="datetimeFigureOut">
               <a:rPr lang="en-US" smtClean="0"/>
-              <a:t>1/23/25</a:t>
+              <a:t>1/23/26</a:t>
             </a:fld>
             <a:endParaRPr lang="en-US"/>
           </a:p>
@@ -2874,7 +2874,7 @@
           <a:p>
             <a:fld id="{2E405B87-0B1C-464B-928F-AA5E9D282D70}" type="datetimeFigureOut">
               <a:rPr lang="en-US" smtClean="0"/>
-              <a:t>1/23/25</a:t>
+              <a:t>1/23/26</a:t>
             </a:fld>
             <a:endParaRPr lang="en-US"/>
           </a:p>
@@ -3750,7 +3750,7 @@
           <a:p>
             <a:fld id="{2E405B87-0B1C-464B-928F-AA5E9D282D70}" type="datetimeFigureOut">
               <a:rPr lang="en-US" smtClean="0"/>
-              <a:t>1/23/25</a:t>
+              <a:t>1/23/26</a:t>
             </a:fld>
             <a:endParaRPr lang="en-US"/>
           </a:p>
@@ -4461,7 +4461,7 @@
           <a:p>
             <a:fld id="{2E405B87-0B1C-464B-928F-AA5E9D282D70}" type="datetimeFigureOut">
               <a:rPr lang="en-US" smtClean="0"/>
-              <a:t>1/23/25</a:t>
+              <a:t>1/23/26</a:t>
             </a:fld>
             <a:endParaRPr lang="en-US"/>
           </a:p>
@@ -4695,7 +4695,7 @@
           <a:p>
             <a:fld id="{2E405B87-0B1C-464B-928F-AA5E9D282D70}" type="datetimeFigureOut">
               <a:rPr lang="en-US" smtClean="0"/>
-              <a:t>1/23/25</a:t>
+              <a:t>1/23/26</a:t>
             </a:fld>
             <a:endParaRPr lang="en-US"/>
           </a:p>
@@ -5401,7 +5401,7 @@
           <a:p>
             <a:fld id="{2E405B87-0B1C-464B-928F-AA5E9D282D70}" type="datetimeFigureOut">
               <a:rPr lang="en-US" smtClean="0"/>
-              <a:t>1/23/25</a:t>
+              <a:t>1/23/26</a:t>
             </a:fld>
             <a:endParaRPr lang="en-US"/>
           </a:p>
@@ -5874,7 +5874,7 @@
           <a:p>
             <a:fld id="{2E405B87-0B1C-464B-928F-AA5E9D282D70}" type="datetimeFigureOut">
               <a:rPr lang="en-US" smtClean="0"/>
-              <a:t>1/23/25</a:t>
+              <a:t>1/23/26</a:t>
             </a:fld>
             <a:endParaRPr lang="en-US"/>
           </a:p>
@@ -6258,7 +6258,7 @@
           <a:p>
             <a:fld id="{2E405B87-0B1C-464B-928F-AA5E9D282D70}" type="datetimeFigureOut">
               <a:rPr lang="en-US" smtClean="0"/>
-              <a:t>1/23/25</a:t>
+              <a:t>1/23/26</a:t>
             </a:fld>
             <a:endParaRPr lang="en-US"/>
           </a:p>
@@ -6666,7 +6666,7 @@
           <a:p>
             <a:fld id="{2E405B87-0B1C-464B-928F-AA5E9D282D70}" type="datetimeFigureOut">
               <a:rPr lang="en-US" smtClean="0"/>
-              <a:t>1/23/25</a:t>
+              <a:t>1/23/26</a:t>
             </a:fld>
             <a:endParaRPr lang="en-US"/>
           </a:p>
@@ -6962,7 +6962,7 @@
           <a:p>
             <a:fld id="{2E405B87-0B1C-464B-928F-AA5E9D282D70}" type="datetimeFigureOut">
               <a:rPr lang="en-US" smtClean="0"/>
-              <a:t>1/23/25</a:t>
+              <a:t>1/23/26</a:t>
             </a:fld>
             <a:endParaRPr lang="en-US"/>
           </a:p>
@@ -7411,7 +7411,7 @@
           <a:p>
             <a:fld id="{2E405B87-0B1C-464B-928F-AA5E9D282D70}" type="datetimeFigureOut">
               <a:rPr lang="en-US" smtClean="0"/>
-              <a:t>1/23/25</a:t>
+              <a:t>1/23/26</a:t>
             </a:fld>
             <a:endParaRPr lang="en-US"/>
           </a:p>
@@ -8109,7 +8109,7 @@
           <a:p>
             <a:fld id="{2E405B87-0B1C-464B-928F-AA5E9D282D70}" type="datetimeFigureOut">
               <a:rPr lang="en-US" smtClean="0"/>
-              <a:t>1/23/25</a:t>
+              <a:t>1/23/26</a:t>
             </a:fld>
             <a:endParaRPr lang="en-US"/>
           </a:p>
@@ -8803,7 +8803,7 @@
           <a:p>
             <a:fld id="{2E405B87-0B1C-464B-928F-AA5E9D282D70}" type="datetimeFigureOut">
               <a:rPr lang="en-US" smtClean="0"/>
-              <a:t>1/23/25</a:t>
+              <a:t>1/23/26</a:t>
             </a:fld>
             <a:endParaRPr lang="en-US"/>
           </a:p>
@@ -9211,7 +9211,7 @@
           <a:p>
             <a:fld id="{2E405B87-0B1C-464B-928F-AA5E9D282D70}" type="datetimeFigureOut">
               <a:rPr lang="en-US" smtClean="0"/>
-              <a:t>1/23/25</a:t>
+              <a:t>1/23/26</a:t>
             </a:fld>
             <a:endParaRPr lang="en-US"/>
           </a:p>
@@ -9422,7 +9422,7 @@
           <a:p>
             <a:fld id="{2E405B87-0B1C-464B-928F-AA5E9D282D70}" type="datetimeFigureOut">
               <a:rPr lang="en-US" smtClean="0"/>
-              <a:t>1/23/25</a:t>
+              <a:t>1/23/26</a:t>
             </a:fld>
             <a:endParaRPr lang="en-US"/>
           </a:p>
@@ -10006,7 +10006,7 @@
           <a:p>
             <a:fld id="{2E405B87-0B1C-464B-928F-AA5E9D282D70}" type="datetimeFigureOut">
               <a:rPr lang="en-US" smtClean="0"/>
-              <a:t>1/23/25</a:t>
+              <a:t>1/23/26</a:t>
             </a:fld>
             <a:endParaRPr lang="en-US"/>
           </a:p>
@@ -10590,7 +10590,7 @@
           <a:p>
             <a:fld id="{2E405B87-0B1C-464B-928F-AA5E9D282D70}" type="datetimeFigureOut">
               <a:rPr lang="en-US" smtClean="0"/>
-              <a:t>1/23/25</a:t>
+              <a:t>1/23/26</a:t>
             </a:fld>
             <a:endParaRPr lang="en-US"/>
           </a:p>
@@ -11174,7 +11174,7 @@
           <a:p>
             <a:fld id="{2E405B87-0B1C-464B-928F-AA5E9D282D70}" type="datetimeFigureOut">
               <a:rPr lang="en-US" smtClean="0"/>
-              <a:t>1/23/25</a:t>
+              <a:t>1/23/26</a:t>
             </a:fld>
             <a:endParaRPr lang="en-US"/>
           </a:p>
@@ -11758,7 +11758,7 @@
           <a:p>
             <a:fld id="{2E405B87-0B1C-464B-928F-AA5E9D282D70}" type="datetimeFigureOut">
               <a:rPr lang="en-US" smtClean="0"/>
-              <a:t>1/23/25</a:t>
+              <a:t>1/23/26</a:t>
             </a:fld>
             <a:endParaRPr lang="en-US"/>
           </a:p>
@@ -12342,7 +12342,7 @@
           <a:p>
             <a:fld id="{2E405B87-0B1C-464B-928F-AA5E9D282D70}" type="datetimeFigureOut">
               <a:rPr lang="en-US" smtClean="0"/>
-              <a:t>1/23/25</a:t>
+              <a:t>1/23/26</a:t>
             </a:fld>
             <a:endParaRPr lang="en-US"/>
           </a:p>
@@ -12926,7 +12926,7 @@
           <a:p>
             <a:fld id="{2E405B87-0B1C-464B-928F-AA5E9D282D70}" type="datetimeFigureOut">
               <a:rPr lang="en-US" smtClean="0"/>
-              <a:t>1/23/25</a:t>
+              <a:t>1/23/26</a:t>
             </a:fld>
             <a:endParaRPr lang="en-US"/>
           </a:p>
@@ -13510,7 +13510,7 @@
           <a:p>
             <a:fld id="{2E405B87-0B1C-464B-928F-AA5E9D282D70}" type="datetimeFigureOut">
               <a:rPr lang="en-US" smtClean="0"/>
-              <a:t>1/23/25</a:t>
+              <a:t>1/23/26</a:t>
             </a:fld>
             <a:endParaRPr lang="en-US"/>
           </a:p>
@@ -14096,7 +14096,7 @@
           <a:p>
             <a:fld id="{2E405B87-0B1C-464B-928F-AA5E9D282D70}" type="datetimeFigureOut">
               <a:rPr lang="en-US" smtClean="0"/>
-              <a:t>1/23/25</a:t>
+              <a:t>1/23/26</a:t>
             </a:fld>
             <a:endParaRPr lang="en-US"/>
           </a:p>
@@ -14680,7 +14680,7 @@
           <a:p>
             <a:fld id="{2E405B87-0B1C-464B-928F-AA5E9D282D70}" type="datetimeFigureOut">
               <a:rPr lang="en-US" smtClean="0"/>
-              <a:t>1/23/25</a:t>
+              <a:t>1/23/26</a:t>
             </a:fld>
             <a:endParaRPr lang="en-US"/>
           </a:p>
@@ -15264,7 +15264,7 @@
           <a:p>
             <a:fld id="{2E405B87-0B1C-464B-928F-AA5E9D282D70}" type="datetimeFigureOut">
               <a:rPr lang="en-US" smtClean="0"/>
-              <a:t>1/23/25</a:t>
+              <a:t>1/23/26</a:t>
             </a:fld>
             <a:endParaRPr lang="en-US"/>
           </a:p>
@@ -15848,7 +15848,7 @@
           <a:p>
             <a:fld id="{2E405B87-0B1C-464B-928F-AA5E9D282D70}" type="datetimeFigureOut">
               <a:rPr lang="en-US" smtClean="0"/>
-              <a:t>1/23/25</a:t>
+              <a:t>1/23/26</a:t>
             </a:fld>
             <a:endParaRPr lang="en-US"/>
           </a:p>
@@ -16432,7 +16432,7 @@
           <a:p>
             <a:fld id="{2E405B87-0B1C-464B-928F-AA5E9D282D70}" type="datetimeFigureOut">
               <a:rPr lang="en-US" smtClean="0"/>
-              <a:t>1/23/25</a:t>
+              <a:t>1/23/26</a:t>
             </a:fld>
             <a:endParaRPr lang="en-US"/>
           </a:p>
@@ -17016,7 +17016,7 @@
           <a:p>
             <a:fld id="{2E405B87-0B1C-464B-928F-AA5E9D282D70}" type="datetimeFigureOut">
               <a:rPr lang="en-US" smtClean="0"/>
-              <a:t>1/23/25</a:t>
+              <a:t>1/23/26</a:t>
             </a:fld>
             <a:endParaRPr lang="en-US"/>
           </a:p>
@@ -17600,7 +17600,7 @@
           <a:p>
             <a:fld id="{2E405B87-0B1C-464B-928F-AA5E9D282D70}" type="datetimeFigureOut">
               <a:rPr lang="en-US" smtClean="0"/>
-              <a:t>1/23/25</a:t>
+              <a:t>1/23/26</a:t>
             </a:fld>
             <a:endParaRPr lang="en-US"/>
           </a:p>
@@ -18184,7 +18184,7 @@
           <a:p>
             <a:fld id="{2E405B87-0B1C-464B-928F-AA5E9D282D70}" type="datetimeFigureOut">
               <a:rPr lang="en-US" smtClean="0"/>
-              <a:t>1/23/25</a:t>
+              <a:t>1/23/26</a:t>
             </a:fld>
             <a:endParaRPr lang="en-US"/>
           </a:p>
@@ -25739,8 +25739,8 @@
         </p:nvSpPr>
         <p:spPr>
           <a:xfrm>
-            <a:off x="609601" y="4295533"/>
-            <a:ext cx="5183188" cy="444908"/>
+            <a:off x="609600" y="1048245"/>
+            <a:ext cx="2511972" cy="1289406"/>
           </a:xfrm>
         </p:spPr>
         <p:txBody>
@@ -25750,13 +25750,22 @@
           <a:lstStyle/>
           <a:p>
             <a:r>
-              <a:rPr lang="en-US" sz="1600" b="0">
+              <a:rPr lang="en-US" sz="1600" b="0" dirty="0" err="1">
                 <a:solidFill>
                   <a:schemeClr val="accent1"/>
                 </a:solidFill>
                 <a:latin typeface="+mj-lt"/>
               </a:rPr>
-              <a:t>Definisjon av EDA</a:t>
+              <a:t>Definisjon</a:t>
+            </a:r>
+            <a:r>
+              <a:rPr lang="en-US" sz="1600" b="0" dirty="0">
+                <a:solidFill>
+                  <a:schemeClr val="accent1"/>
+                </a:solidFill>
+                <a:latin typeface="+mj-lt"/>
+              </a:rPr>
+              <a:t> av EDA</a:t>
             </a:r>
           </a:p>
         </p:txBody>
@@ -25782,8 +25791,8 @@
         </p:nvSpPr>
         <p:spPr>
           <a:xfrm>
-            <a:off x="609601" y="4740441"/>
-            <a:ext cx="5183188" cy="1437333"/>
+            <a:off x="609600" y="2160285"/>
+            <a:ext cx="2511972" cy="3697838"/>
           </a:xfrm>
         </p:spPr>
         <p:txBody>
@@ -25799,85 +25808,58 @@
               <a:buNone/>
             </a:pPr>
             <a:r>
-              <a:rPr lang="en-US"/>
-              <a:t>Event-Driven Architecture (EDA) er en programvarearkitektur som reagerer på hendelser.</a:t>
-            </a:r>
-          </a:p>
-        </p:txBody>
-      </p:sp>
-      <p:sp>
-        <p:nvSpPr>
-          <p:cNvPr id="5" name="Text Placeholder 4">
-            <a:extLst>
-              <a:ext uri="{FF2B5EF4-FFF2-40B4-BE49-F238E27FC236}">
-                <a16:creationId xmlns:a16="http://schemas.microsoft.com/office/drawing/2014/main" id="{F8447373-3FA9-37F0-AE75-4F52A99B4525}"/>
-              </a:ext>
-            </a:extLst>
-          </p:cNvPr>
-          <p:cNvSpPr>
-            <a:spLocks noGrp="1"/>
-          </p:cNvSpPr>
-          <p:nvPr>
-            <p:ph type="body" sz="quarter" idx="3"/>
-            <p:custDataLst>
-              <p:tags r:id="rId5"/>
-            </p:custDataLst>
-          </p:nvPr>
-        </p:nvSpPr>
-        <p:spPr>
-          <a:xfrm>
-            <a:off x="6096002" y="4295533"/>
-            <a:ext cx="5183188" cy="444908"/>
-          </a:xfrm>
-        </p:spPr>
-        <p:txBody>
-          <a:bodyPr lIns="0" anchor="ctr">
-            <a:normAutofit/>
-          </a:bodyPr>
-          <a:lstStyle/>
-          <a:p>
-            <a:r>
-              <a:rPr lang="en-US" sz="1600" b="0">
-                <a:solidFill>
-                  <a:schemeClr val="accent1"/>
-                </a:solidFill>
-                <a:latin typeface="+mj-lt"/>
-              </a:rPr>
-              <a:t>Komponenter i EDA</a:t>
-            </a:r>
-          </a:p>
-        </p:txBody>
-      </p:sp>
-      <p:sp>
-        <p:nvSpPr>
-          <p:cNvPr id="6" name="Content Placeholder 5">
-            <a:extLst>
-              <a:ext uri="{FF2B5EF4-FFF2-40B4-BE49-F238E27FC236}">
-                <a16:creationId xmlns:a16="http://schemas.microsoft.com/office/drawing/2014/main" id="{04C6A205-D944-C4A3-0737-C9B40D30FE5E}"/>
-              </a:ext>
-            </a:extLst>
-          </p:cNvPr>
-          <p:cNvSpPr>
-            <a:spLocks noGrp="1"/>
-          </p:cNvSpPr>
-          <p:nvPr>
-            <p:ph sz="quarter" idx="4"/>
-            <p:custDataLst>
-              <p:tags r:id="rId6"/>
-            </p:custDataLst>
-          </p:nvPr>
-        </p:nvSpPr>
-        <p:spPr>
-          <a:xfrm>
-            <a:off x="6096000" y="4740441"/>
-            <a:ext cx="5183189" cy="1437333"/>
-          </a:xfrm>
-        </p:spPr>
-        <p:txBody>
-          <a:bodyPr lIns="0">
-            <a:normAutofit/>
-          </a:bodyPr>
-          <a:lstStyle/>
+              <a:rPr lang="en-US" dirty="0"/>
+              <a:t>Event-Driven Architecture (EDA) er </a:t>
+            </a:r>
+            <a:r>
+              <a:rPr lang="en-US" dirty="0" err="1"/>
+              <a:t>en</a:t>
+            </a:r>
+            <a:r>
+              <a:rPr lang="en-US" dirty="0"/>
+              <a:t> </a:t>
+            </a:r>
+            <a:r>
+              <a:rPr lang="en-US" dirty="0" err="1"/>
+              <a:t>programvarearkitektur</a:t>
+            </a:r>
+            <a:r>
+              <a:rPr lang="en-US" dirty="0"/>
+              <a:t> </a:t>
+            </a:r>
+            <a:r>
+              <a:rPr lang="en-US" dirty="0" err="1"/>
+              <a:t>som</a:t>
+            </a:r>
+            <a:r>
+              <a:rPr lang="en-US" dirty="0"/>
+              <a:t> </a:t>
+            </a:r>
+            <a:r>
+              <a:rPr lang="en-US" dirty="0" err="1"/>
+              <a:t>reagerer</a:t>
+            </a:r>
+            <a:r>
+              <a:rPr lang="en-US" dirty="0"/>
+              <a:t> </a:t>
+            </a:r>
+            <a:r>
+              <a:rPr lang="en-US" dirty="0" err="1"/>
+              <a:t>på</a:t>
+            </a:r>
+            <a:r>
+              <a:rPr lang="en-US" dirty="0"/>
+              <a:t> </a:t>
+            </a:r>
+            <a:r>
+              <a:rPr lang="en-US" dirty="0" err="1"/>
+              <a:t>hendelser</a:t>
+            </a:r>
+            <a:r>
+              <a:rPr lang="en-US" dirty="0"/>
+              <a:t>.</a:t>
+            </a:r>
+          </a:p>
           <a:p>
             <a:pPr marL="11113" indent="0">
               <a:lnSpc>
@@ -25886,94 +25868,117 @@
               <a:buNone/>
             </a:pPr>
             <a:r>
-              <a:rPr lang="en-US"/>
-              <a:t>Hovedkomponentene inkluderer hendelser, produsenter som genererer hendelser, og forbrukere som reagerer på dem.</a:t>
-            </a:r>
-          </a:p>
-        </p:txBody>
-      </p:sp>
-      <p:pic>
-        <p:nvPicPr>
-          <p:cNvPr id="7" name="Picture Placeholder 9" descr="A group of boats in a body of water&#10;&#10;Description automatically generated">
-            <a:extLst>
-              <a:ext uri="{FF2B5EF4-FFF2-40B4-BE49-F238E27FC236}">
-                <a16:creationId xmlns:a16="http://schemas.microsoft.com/office/drawing/2014/main" id="{229F79EC-D0B2-7964-E312-BF60C4AB9362}"/>
-              </a:ext>
-            </a:extLst>
-          </p:cNvPr>
-          <p:cNvPicPr>
-            <a:picLocks noChangeAspect="1"/>
-          </p:cNvPicPr>
-          <p:nvPr>
-            <p:custDataLst>
-              <p:tags r:id="rId7"/>
-            </p:custDataLst>
-          </p:nvPr>
-        </p:nvPicPr>
-        <p:blipFill rotWithShape="1">
-          <a:blip r:embed="rId11" cstate="screen">
-            <a:alphaModFix amt="85000"/>
-            <a:extLst>
-              <a:ext uri="{28A0092B-C50C-407E-A947-70E740481C1C}">
-                <a14:useLocalDpi xmlns:a14="http://schemas.microsoft.com/office/drawing/2010/main"/>
-              </a:ext>
-            </a:extLst>
-          </a:blip>
-          <a:srcRect t="22735" b="22735"/>
-          <a:stretch>
-            <a:fillRect/>
-          </a:stretch>
-        </p:blipFill>
-        <p:spPr>
-          <a:xfrm>
-            <a:off x="609600" y="1469157"/>
-            <a:ext cx="5183188" cy="2826376"/>
-          </a:xfrm>
-          <a:prstGeom prst="rect">
-            <a:avLst/>
-          </a:prstGeom>
-        </p:spPr>
-      </p:pic>
-      <p:pic>
-        <p:nvPicPr>
-          <p:cNvPr id="8" name="Picture Placeholder 11">
-            <a:extLst>
-              <a:ext uri="{FF2B5EF4-FFF2-40B4-BE49-F238E27FC236}">
-                <a16:creationId xmlns:a16="http://schemas.microsoft.com/office/drawing/2014/main" id="{77F3AAC0-1520-3E85-10B3-28D8A1F894C9}"/>
-              </a:ext>
-            </a:extLst>
-          </p:cNvPr>
-          <p:cNvPicPr>
-            <a:picLocks noChangeAspect="1"/>
-          </p:cNvPicPr>
-          <p:nvPr>
-            <p:custDataLst>
-              <p:tags r:id="rId8"/>
-            </p:custDataLst>
-          </p:nvPr>
-        </p:nvPicPr>
-        <p:blipFill rotWithShape="1">
-          <a:blip r:embed="rId12" cstate="screen">
-            <a:alphaModFix amt="85000"/>
-            <a:extLst>
-              <a:ext uri="{28A0092B-C50C-407E-A947-70E740481C1C}">
-                <a14:useLocalDpi xmlns:a14="http://schemas.microsoft.com/office/drawing/2010/main"/>
-              </a:ext>
-            </a:extLst>
-          </a:blip>
-          <a:srcRect t="22735" b="22735"/>
-          <a:stretch/>
-        </p:blipFill>
-        <p:spPr>
-          <a:xfrm>
-            <a:off x="6095999" y="1469156"/>
-            <a:ext cx="5183189" cy="2826376"/>
-          </a:xfrm>
-          <a:prstGeom prst="rect">
-            <a:avLst/>
-          </a:prstGeom>
-        </p:spPr>
-      </p:pic>
+              <a:rPr lang="en-US" dirty="0"/>
+              <a:t> </a:t>
+            </a:r>
+            <a:r>
+              <a:rPr lang="en-US" dirty="0" err="1"/>
+              <a:t>Hovedkomponentene</a:t>
+            </a:r>
+            <a:r>
+              <a:rPr lang="en-US" dirty="0"/>
+              <a:t> </a:t>
+            </a:r>
+            <a:r>
+              <a:rPr lang="en-US" dirty="0" err="1"/>
+              <a:t>inkluderer</a:t>
+            </a:r>
+            <a:r>
+              <a:rPr lang="en-US" dirty="0"/>
+              <a:t> </a:t>
+            </a:r>
+            <a:r>
+              <a:rPr lang="en-US" dirty="0" err="1"/>
+              <a:t>hendelser</a:t>
+            </a:r>
+            <a:r>
+              <a:rPr lang="en-US" dirty="0"/>
+              <a:t>, </a:t>
+            </a:r>
+            <a:r>
+              <a:rPr lang="en-US" dirty="0" err="1"/>
+              <a:t>produsenter</a:t>
+            </a:r>
+            <a:r>
+              <a:rPr lang="en-US" dirty="0"/>
+              <a:t> </a:t>
+            </a:r>
+            <a:r>
+              <a:rPr lang="en-US" dirty="0" err="1"/>
+              <a:t>som</a:t>
+            </a:r>
+            <a:r>
+              <a:rPr lang="en-US" dirty="0"/>
+              <a:t> </a:t>
+            </a:r>
+            <a:r>
+              <a:rPr lang="en-US" dirty="0" err="1"/>
+              <a:t>genererer</a:t>
+            </a:r>
+            <a:r>
+              <a:rPr lang="en-US" dirty="0"/>
+              <a:t> </a:t>
+            </a:r>
+            <a:r>
+              <a:rPr lang="en-US" dirty="0" err="1"/>
+              <a:t>hendelser</a:t>
+            </a:r>
+            <a:r>
+              <a:rPr lang="en-US" dirty="0"/>
+              <a:t>, </a:t>
+            </a:r>
+            <a:r>
+              <a:rPr lang="en-US" dirty="0" err="1"/>
+              <a:t>og</a:t>
+            </a:r>
+            <a:r>
+              <a:rPr lang="en-US" dirty="0"/>
+              <a:t> </a:t>
+            </a:r>
+            <a:r>
+              <a:rPr lang="en-US" dirty="0" err="1"/>
+              <a:t>forbrukere</a:t>
+            </a:r>
+            <a:r>
+              <a:rPr lang="en-US" dirty="0"/>
+              <a:t> </a:t>
+            </a:r>
+            <a:r>
+              <a:rPr lang="en-US" dirty="0" err="1"/>
+              <a:t>som</a:t>
+            </a:r>
+            <a:r>
+              <a:rPr lang="en-US" dirty="0"/>
+              <a:t> </a:t>
+            </a:r>
+            <a:r>
+              <a:rPr lang="en-US" dirty="0" err="1"/>
+              <a:t>reagerer</a:t>
+            </a:r>
+            <a:r>
+              <a:rPr lang="en-US" dirty="0"/>
+              <a:t> </a:t>
+            </a:r>
+            <a:r>
+              <a:rPr lang="en-US" dirty="0" err="1"/>
+              <a:t>på</a:t>
+            </a:r>
+            <a:r>
+              <a:rPr lang="en-US" dirty="0"/>
+              <a:t> dem.</a:t>
+            </a:r>
+          </a:p>
+          <a:p>
+            <a:pPr marL="11113" indent="0">
+              <a:lnSpc>
+                <a:spcPct val="120000"/>
+              </a:lnSpc>
+              <a:buNone/>
+            </a:pPr>
+            <a:endParaRPr lang="en-US" dirty="0"/>
+          </a:p>
+        </p:txBody>
+      </p:sp>
       <p:sp>
         <p:nvSpPr>
           <p:cNvPr id="9" name="Rectangle 8">
@@ -25986,7 +25991,7 @@
           <p:cNvSpPr/>
           <p:nvPr>
             <p:custDataLst>
-              <p:tags r:id="rId9"/>
+              <p:tags r:id="rId5"/>
             </p:custDataLst>
           </p:nvPr>
         </p:nvSpPr>
@@ -26054,6 +26059,86 @@
               <a:ea typeface="+mn-ea"/>
               <a:cs typeface="+mn-cs"/>
             </a:endParaRPr>
+          </a:p>
+        </p:txBody>
+      </p:sp>
+      <p:pic>
+        <p:nvPicPr>
+          <p:cNvPr id="12" name="Picture 11" descr="A diagram of a business&#10;&#10;AI-generated content may be incorrect.">
+            <a:extLst>
+              <a:ext uri="{FF2B5EF4-FFF2-40B4-BE49-F238E27FC236}">
+                <a16:creationId xmlns:a16="http://schemas.microsoft.com/office/drawing/2014/main" id="{322EC945-66ED-A765-786D-BA2AA96F1FC5}"/>
+              </a:ext>
+            </a:extLst>
+          </p:cNvPr>
+          <p:cNvPicPr>
+            <a:picLocks noChangeAspect="1"/>
+          </p:cNvPicPr>
+          <p:nvPr/>
+        </p:nvPicPr>
+        <p:blipFill>
+          <a:blip r:embed="rId7"/>
+          <a:stretch>
+            <a:fillRect/>
+          </a:stretch>
+        </p:blipFill>
+        <p:spPr>
+          <a:xfrm>
+            <a:off x="3791607" y="1493221"/>
+            <a:ext cx="7120758" cy="5084305"/>
+          </a:xfrm>
+          <a:prstGeom prst="rect">
+            <a:avLst/>
+          </a:prstGeom>
+        </p:spPr>
+      </p:pic>
+      <p:sp>
+        <p:nvSpPr>
+          <p:cNvPr id="14" name="Text Placeholder 13">
+            <a:extLst>
+              <a:ext uri="{FF2B5EF4-FFF2-40B4-BE49-F238E27FC236}">
+                <a16:creationId xmlns:a16="http://schemas.microsoft.com/office/drawing/2014/main" id="{CF63B2A1-FE7C-9F69-310E-8035EECD7761}"/>
+              </a:ext>
+            </a:extLst>
+          </p:cNvPr>
+          <p:cNvSpPr>
+            <a:spLocks noGrp="1"/>
+          </p:cNvSpPr>
+          <p:nvPr>
+            <p:ph type="body" sz="quarter" idx="3"/>
+          </p:nvPr>
+        </p:nvSpPr>
+        <p:spPr/>
+        <p:txBody>
+          <a:bodyPr/>
+          <a:lstStyle/>
+          <a:p>
+            <a:endParaRPr lang="nb-NO"/>
+          </a:p>
+        </p:txBody>
+      </p:sp>
+      <p:sp>
+        <p:nvSpPr>
+          <p:cNvPr id="16" name="Content Placeholder 15">
+            <a:extLst>
+              <a:ext uri="{FF2B5EF4-FFF2-40B4-BE49-F238E27FC236}">
+                <a16:creationId xmlns:a16="http://schemas.microsoft.com/office/drawing/2014/main" id="{8383A58C-99C2-5EF9-8C0B-525585964F70}"/>
+              </a:ext>
+            </a:extLst>
+          </p:cNvPr>
+          <p:cNvSpPr>
+            <a:spLocks noGrp="1"/>
+          </p:cNvSpPr>
+          <p:nvPr>
+            <p:ph sz="quarter" idx="4"/>
+          </p:nvPr>
+        </p:nvSpPr>
+        <p:spPr/>
+        <p:txBody>
+          <a:bodyPr/>
+          <a:lstStyle/>
+          <a:p>
+            <a:endParaRPr lang="nb-NO"/>
           </a:p>
         </p:txBody>
       </p:sp>
@@ -28792,61 +28877,61 @@
 
 <file path=ppt/tags/tag100.xml><?xml version="1.0" encoding="utf-8"?>
 <p:tagLst xmlns:a="http://schemas.openxmlformats.org/drawingml/2006/main" xmlns:r="http://schemas.openxmlformats.org/officeDocument/2006/relationships" xmlns:p="http://schemas.openxmlformats.org/presentationml/2006/main">
-  <p:tag name="PLUS_ID" val="detail_0"/>
+  <p:tag name="PLUS_ID" val="icon_0"/>
 </p:tagLst>
 </file>
 
 <file path=ppt/tags/tag101.xml><?xml version="1.0" encoding="utf-8"?>
 <p:tagLst xmlns:a="http://schemas.openxmlformats.org/drawingml/2006/main" xmlns:r="http://schemas.openxmlformats.org/officeDocument/2006/relationships" xmlns:p="http://schemas.openxmlformats.org/presentationml/2006/main">
-  <p:tag name="PLUS_ID" val="detail_1"/>
+  <p:tag name="PLUS_ID" val="icon_1"/>
 </p:tagLst>
 </file>
 
 <file path=ppt/tags/tag102.xml><?xml version="1.0" encoding="utf-8"?>
 <p:tagLst xmlns:a="http://schemas.openxmlformats.org/drawingml/2006/main" xmlns:r="http://schemas.openxmlformats.org/officeDocument/2006/relationships" xmlns:p="http://schemas.openxmlformats.org/presentationml/2006/main">
-  <p:tag name="PLUS_ID" val="header_0"/>
+  <p:tag name="PLUS_ID" val="logo"/>
 </p:tagLst>
 </file>
 
 <file path=ppt/tags/tag103.xml><?xml version="1.0" encoding="utf-8"?>
 <p:tagLst xmlns:a="http://schemas.openxmlformats.org/drawingml/2006/main" xmlns:r="http://schemas.openxmlformats.org/officeDocument/2006/relationships" xmlns:p="http://schemas.openxmlformats.org/presentationml/2006/main">
-  <p:tag name="PLUS_ID" val="header_1"/>
+  <p:tag name="PLUS_ID" val="title"/>
 </p:tagLst>
 </file>
 
 <file path=ppt/tags/tag104.xml><?xml version="1.0" encoding="utf-8"?>
 <p:tagLst xmlns:a="http://schemas.openxmlformats.org/drawingml/2006/main" xmlns:r="http://schemas.openxmlformats.org/officeDocument/2006/relationships" xmlns:p="http://schemas.openxmlformats.org/presentationml/2006/main">
-  <p:tag name="PLUS_ID" val="icon_0"/>
+  <p:tag name="PLUS_ID" val="header_0"/>
 </p:tagLst>
 </file>
 
 <file path=ppt/tags/tag105.xml><?xml version="1.0" encoding="utf-8"?>
 <p:tagLst xmlns:a="http://schemas.openxmlformats.org/drawingml/2006/main" xmlns:r="http://schemas.openxmlformats.org/officeDocument/2006/relationships" xmlns:p="http://schemas.openxmlformats.org/presentationml/2006/main">
-  <p:tag name="PLUS_ID" val="icon_1"/>
+  <p:tag name="PLUS_ID" val="detail_0"/>
 </p:tagLst>
 </file>
 
 <file path=ppt/tags/tag106.xml><?xml version="1.0" encoding="utf-8"?>
 <p:tagLst xmlns:a="http://schemas.openxmlformats.org/drawingml/2006/main" xmlns:r="http://schemas.openxmlformats.org/officeDocument/2006/relationships" xmlns:p="http://schemas.openxmlformats.org/presentationml/2006/main">
-  <p:tag name="PLUS_ID" val="logo"/>
+  <p:tag name="PLUS_ID" val="header_1"/>
 </p:tagLst>
 </file>
 
 <file path=ppt/tags/tag107.xml><?xml version="1.0" encoding="utf-8"?>
 <p:tagLst xmlns:a="http://schemas.openxmlformats.org/drawingml/2006/main" xmlns:r="http://schemas.openxmlformats.org/officeDocument/2006/relationships" xmlns:p="http://schemas.openxmlformats.org/presentationml/2006/main">
-  <p:tag name="PLUS_ID" val="title"/>
+  <p:tag name="PLUS_ID" val="detail_1"/>
 </p:tagLst>
 </file>
 
 <file path=ppt/tags/tag108.xml><?xml version="1.0" encoding="utf-8"?>
 <p:tagLst xmlns:a="http://schemas.openxmlformats.org/drawingml/2006/main" xmlns:r="http://schemas.openxmlformats.org/officeDocument/2006/relationships" xmlns:p="http://schemas.openxmlformats.org/presentationml/2006/main">
-  <p:tag name="PLUS_ID" val="header_0"/>
+  <p:tag name="PLUS_ID" val="icon_0"/>
 </p:tagLst>
 </file>
 
 <file path=ppt/tags/tag109.xml><?xml version="1.0" encoding="utf-8"?>
 <p:tagLst xmlns:a="http://schemas.openxmlformats.org/drawingml/2006/main" xmlns:r="http://schemas.openxmlformats.org/officeDocument/2006/relationships" xmlns:p="http://schemas.openxmlformats.org/presentationml/2006/main">
-  <p:tag name="PLUS_ID" val="detail_0"/>
+  <p:tag name="PLUS_ID" val="icon_1"/>
 </p:tagLst>
 </file>
 
@@ -28858,61 +28943,61 @@
 
 <file path=ppt/tags/tag110.xml><?xml version="1.0" encoding="utf-8"?>
 <p:tagLst xmlns:a="http://schemas.openxmlformats.org/drawingml/2006/main" xmlns:r="http://schemas.openxmlformats.org/officeDocument/2006/relationships" xmlns:p="http://schemas.openxmlformats.org/presentationml/2006/main">
-  <p:tag name="PLUS_ID" val="header_1"/>
+  <p:tag name="PLUS_ID" val="logo"/>
 </p:tagLst>
 </file>
 
 <file path=ppt/tags/tag111.xml><?xml version="1.0" encoding="utf-8"?>
 <p:tagLst xmlns:a="http://schemas.openxmlformats.org/drawingml/2006/main" xmlns:r="http://schemas.openxmlformats.org/officeDocument/2006/relationships" xmlns:p="http://schemas.openxmlformats.org/presentationml/2006/main">
-  <p:tag name="PLUS_ID" val="detail_1"/>
+  <p:tag name="PLUS_ID" val="chapter"/>
 </p:tagLst>
 </file>
 
 <file path=ppt/tags/tag112.xml><?xml version="1.0" encoding="utf-8"?>
 <p:tagLst xmlns:a="http://schemas.openxmlformats.org/drawingml/2006/main" xmlns:r="http://schemas.openxmlformats.org/officeDocument/2006/relationships" xmlns:p="http://schemas.openxmlformats.org/presentationml/2006/main">
-  <p:tag name="PLUS_ID" val="icon_0"/>
+  <p:tag name="PLUS_ID" val="chapter"/>
 </p:tagLst>
 </file>
 
 <file path=ppt/tags/tag113.xml><?xml version="1.0" encoding="utf-8"?>
 <p:tagLst xmlns:a="http://schemas.openxmlformats.org/drawingml/2006/main" xmlns:r="http://schemas.openxmlformats.org/officeDocument/2006/relationships" xmlns:p="http://schemas.openxmlformats.org/presentationml/2006/main">
-  <p:tag name="PLUS_ID" val="icon_1"/>
+  <p:tag name="PLUS_ID" val="title"/>
 </p:tagLst>
 </file>
 
 <file path=ppt/tags/tag114.xml><?xml version="1.0" encoding="utf-8"?>
 <p:tagLst xmlns:a="http://schemas.openxmlformats.org/drawingml/2006/main" xmlns:r="http://schemas.openxmlformats.org/officeDocument/2006/relationships" xmlns:p="http://schemas.openxmlformats.org/presentationml/2006/main">
-  <p:tag name="PLUS_ID" val="logo"/>
+  <p:tag name="PLUS_ID" val="detail_0"/>
 </p:tagLst>
 </file>
 
 <file path=ppt/tags/tag115.xml><?xml version="1.0" encoding="utf-8"?>
 <p:tagLst xmlns:a="http://schemas.openxmlformats.org/drawingml/2006/main" xmlns:r="http://schemas.openxmlformats.org/officeDocument/2006/relationships" xmlns:p="http://schemas.openxmlformats.org/presentationml/2006/main">
-  <p:tag name="PLUS_ID" val="chapter"/>
+  <p:tag name="PLUS_ID" val="detail_1"/>
 </p:tagLst>
 </file>
 
 <file path=ppt/tags/tag116.xml><?xml version="1.0" encoding="utf-8"?>
 <p:tagLst xmlns:a="http://schemas.openxmlformats.org/drawingml/2006/main" xmlns:r="http://schemas.openxmlformats.org/officeDocument/2006/relationships" xmlns:p="http://schemas.openxmlformats.org/presentationml/2006/main">
-  <p:tag name="PLUS_ID" val="chapter"/>
+  <p:tag name="PLUS_ID" val="header_0"/>
 </p:tagLst>
 </file>
 
 <file path=ppt/tags/tag117.xml><?xml version="1.0" encoding="utf-8"?>
 <p:tagLst xmlns:a="http://schemas.openxmlformats.org/drawingml/2006/main" xmlns:r="http://schemas.openxmlformats.org/officeDocument/2006/relationships" xmlns:p="http://schemas.openxmlformats.org/presentationml/2006/main">
-  <p:tag name="PLUS_ID" val="title"/>
+  <p:tag name="PLUS_ID" val="header_1"/>
 </p:tagLst>
 </file>
 
 <file path=ppt/tags/tag118.xml><?xml version="1.0" encoding="utf-8"?>
 <p:tagLst xmlns:a="http://schemas.openxmlformats.org/drawingml/2006/main" xmlns:r="http://schemas.openxmlformats.org/officeDocument/2006/relationships" xmlns:p="http://schemas.openxmlformats.org/presentationml/2006/main">
-  <p:tag name="PLUS_ID" val="detail_0"/>
+  <p:tag name="PLUS_ID" val="detail_2"/>
 </p:tagLst>
 </file>
 
 <file path=ppt/tags/tag119.xml><?xml version="1.0" encoding="utf-8"?>
 <p:tagLst xmlns:a="http://schemas.openxmlformats.org/drawingml/2006/main" xmlns:r="http://schemas.openxmlformats.org/officeDocument/2006/relationships" xmlns:p="http://schemas.openxmlformats.org/presentationml/2006/main">
-  <p:tag name="PLUS_ID" val="detail_1"/>
+  <p:tag name="PLUS_ID" val="detail_3"/>
 </p:tagLst>
 </file>
 
@@ -28924,61 +29009,61 @@
 
 <file path=ppt/tags/tag120.xml><?xml version="1.0" encoding="utf-8"?>
 <p:tagLst xmlns:a="http://schemas.openxmlformats.org/drawingml/2006/main" xmlns:r="http://schemas.openxmlformats.org/officeDocument/2006/relationships" xmlns:p="http://schemas.openxmlformats.org/presentationml/2006/main">
-  <p:tag name="PLUS_ID" val="header_0"/>
+  <p:tag name="PLUS_ID" val="header_2"/>
 </p:tagLst>
 </file>
 
 <file path=ppt/tags/tag121.xml><?xml version="1.0" encoding="utf-8"?>
 <p:tagLst xmlns:a="http://schemas.openxmlformats.org/drawingml/2006/main" xmlns:r="http://schemas.openxmlformats.org/officeDocument/2006/relationships" xmlns:p="http://schemas.openxmlformats.org/presentationml/2006/main">
-  <p:tag name="PLUS_ID" val="header_1"/>
+  <p:tag name="PLUS_ID" val="header_3"/>
 </p:tagLst>
 </file>
 
 <file path=ppt/tags/tag122.xml><?xml version="1.0" encoding="utf-8"?>
 <p:tagLst xmlns:a="http://schemas.openxmlformats.org/drawingml/2006/main" xmlns:r="http://schemas.openxmlformats.org/officeDocument/2006/relationships" xmlns:p="http://schemas.openxmlformats.org/presentationml/2006/main">
-  <p:tag name="PLUS_ID" val="detail_2"/>
+  <p:tag name="PLUS_ID" val="deliverable_0"/>
 </p:tagLst>
 </file>
 
 <file path=ppt/tags/tag123.xml><?xml version="1.0" encoding="utf-8"?>
 <p:tagLst xmlns:a="http://schemas.openxmlformats.org/drawingml/2006/main" xmlns:r="http://schemas.openxmlformats.org/officeDocument/2006/relationships" xmlns:p="http://schemas.openxmlformats.org/presentationml/2006/main">
-  <p:tag name="PLUS_ID" val="detail_3"/>
+  <p:tag name="PLUS_ID" val="deliverable_1"/>
 </p:tagLst>
 </file>
 
 <file path=ppt/tags/tag124.xml><?xml version="1.0" encoding="utf-8"?>
 <p:tagLst xmlns:a="http://schemas.openxmlformats.org/drawingml/2006/main" xmlns:r="http://schemas.openxmlformats.org/officeDocument/2006/relationships" xmlns:p="http://schemas.openxmlformats.org/presentationml/2006/main">
-  <p:tag name="PLUS_ID" val="header_2"/>
+  <p:tag name="PLUS_ID" val="deliverable_2"/>
 </p:tagLst>
 </file>
 
 <file path=ppt/tags/tag125.xml><?xml version="1.0" encoding="utf-8"?>
 <p:tagLst xmlns:a="http://schemas.openxmlformats.org/drawingml/2006/main" xmlns:r="http://schemas.openxmlformats.org/officeDocument/2006/relationships" xmlns:p="http://schemas.openxmlformats.org/presentationml/2006/main">
-  <p:tag name="PLUS_ID" val="header_3"/>
+  <p:tag name="PLUS_ID" val="deliverable_3"/>
 </p:tagLst>
 </file>
 
 <file path=ppt/tags/tag126.xml><?xml version="1.0" encoding="utf-8"?>
 <p:tagLst xmlns:a="http://schemas.openxmlformats.org/drawingml/2006/main" xmlns:r="http://schemas.openxmlformats.org/officeDocument/2006/relationships" xmlns:p="http://schemas.openxmlformats.org/presentationml/2006/main">
-  <p:tag name="PLUS_ID" val="deliverable_0"/>
+  <p:tag name="PLUS_ID" val="logo"/>
 </p:tagLst>
 </file>
 
 <file path=ppt/tags/tag127.xml><?xml version="1.0" encoding="utf-8"?>
 <p:tagLst xmlns:a="http://schemas.openxmlformats.org/drawingml/2006/main" xmlns:r="http://schemas.openxmlformats.org/officeDocument/2006/relationships" xmlns:p="http://schemas.openxmlformats.org/presentationml/2006/main">
-  <p:tag name="PLUS_ID" val="deliverable_1"/>
+  <p:tag name="PLUS_ID" val="chapter"/>
 </p:tagLst>
 </file>
 
 <file path=ppt/tags/tag128.xml><?xml version="1.0" encoding="utf-8"?>
 <p:tagLst xmlns:a="http://schemas.openxmlformats.org/drawingml/2006/main" xmlns:r="http://schemas.openxmlformats.org/officeDocument/2006/relationships" xmlns:p="http://schemas.openxmlformats.org/presentationml/2006/main">
-  <p:tag name="PLUS_ID" val="deliverable_2"/>
+  <p:tag name="PLUS_ID" val="title"/>
 </p:tagLst>
 </file>
 
 <file path=ppt/tags/tag129.xml><?xml version="1.0" encoding="utf-8"?>
 <p:tagLst xmlns:a="http://schemas.openxmlformats.org/drawingml/2006/main" xmlns:r="http://schemas.openxmlformats.org/officeDocument/2006/relationships" xmlns:p="http://schemas.openxmlformats.org/presentationml/2006/main">
-  <p:tag name="PLUS_ID" val="deliverable_3"/>
+  <p:tag name="PLUS_ID" val="detail_0"/>
 </p:tagLst>
 </file>
 
@@ -28990,61 +29075,61 @@
 
 <file path=ppt/tags/tag130.xml><?xml version="1.0" encoding="utf-8"?>
 <p:tagLst xmlns:a="http://schemas.openxmlformats.org/drawingml/2006/main" xmlns:r="http://schemas.openxmlformats.org/officeDocument/2006/relationships" xmlns:p="http://schemas.openxmlformats.org/presentationml/2006/main">
-  <p:tag name="PLUS_ID" val="logo"/>
+  <p:tag name="PLUS_ID" val="detail_1"/>
 </p:tagLst>
 </file>
 
 <file path=ppt/tags/tag131.xml><?xml version="1.0" encoding="utf-8"?>
 <p:tagLst xmlns:a="http://schemas.openxmlformats.org/drawingml/2006/main" xmlns:r="http://schemas.openxmlformats.org/officeDocument/2006/relationships" xmlns:p="http://schemas.openxmlformats.org/presentationml/2006/main">
-  <p:tag name="PLUS_ID" val="chapter"/>
+  <p:tag name="PLUS_ID" val="detail_2"/>
 </p:tagLst>
 </file>
 
 <file path=ppt/tags/tag132.xml><?xml version="1.0" encoding="utf-8"?>
 <p:tagLst xmlns:a="http://schemas.openxmlformats.org/drawingml/2006/main" xmlns:r="http://schemas.openxmlformats.org/officeDocument/2006/relationships" xmlns:p="http://schemas.openxmlformats.org/presentationml/2006/main">
-  <p:tag name="PLUS_ID" val="title"/>
+  <p:tag name="PLUS_ID" val="header_0"/>
 </p:tagLst>
 </file>
 
 <file path=ppt/tags/tag133.xml><?xml version="1.0" encoding="utf-8"?>
 <p:tagLst xmlns:a="http://schemas.openxmlformats.org/drawingml/2006/main" xmlns:r="http://schemas.openxmlformats.org/officeDocument/2006/relationships" xmlns:p="http://schemas.openxmlformats.org/presentationml/2006/main">
-  <p:tag name="PLUS_ID" val="detail_0"/>
+  <p:tag name="PLUS_ID" val="header_1"/>
 </p:tagLst>
 </file>
 
 <file path=ppt/tags/tag134.xml><?xml version="1.0" encoding="utf-8"?>
 <p:tagLst xmlns:a="http://schemas.openxmlformats.org/drawingml/2006/main" xmlns:r="http://schemas.openxmlformats.org/officeDocument/2006/relationships" xmlns:p="http://schemas.openxmlformats.org/presentationml/2006/main">
-  <p:tag name="PLUS_ID" val="detail_1"/>
+  <p:tag name="PLUS_ID" val="header_2"/>
 </p:tagLst>
 </file>
 
 <file path=ppt/tags/tag135.xml><?xml version="1.0" encoding="utf-8"?>
 <p:tagLst xmlns:a="http://schemas.openxmlformats.org/drawingml/2006/main" xmlns:r="http://schemas.openxmlformats.org/officeDocument/2006/relationships" xmlns:p="http://schemas.openxmlformats.org/presentationml/2006/main">
-  <p:tag name="PLUS_ID" val="detail_2"/>
+  <p:tag name="PLUS_ID" val="detail_3"/>
 </p:tagLst>
 </file>
 
 <file path=ppt/tags/tag136.xml><?xml version="1.0" encoding="utf-8"?>
 <p:tagLst xmlns:a="http://schemas.openxmlformats.org/drawingml/2006/main" xmlns:r="http://schemas.openxmlformats.org/officeDocument/2006/relationships" xmlns:p="http://schemas.openxmlformats.org/presentationml/2006/main">
-  <p:tag name="PLUS_ID" val="header_0"/>
+  <p:tag name="PLUS_ID" val="header_3"/>
 </p:tagLst>
 </file>
 
 <file path=ppt/tags/tag137.xml><?xml version="1.0" encoding="utf-8"?>
 <p:tagLst xmlns:a="http://schemas.openxmlformats.org/drawingml/2006/main" xmlns:r="http://schemas.openxmlformats.org/officeDocument/2006/relationships" xmlns:p="http://schemas.openxmlformats.org/presentationml/2006/main">
-  <p:tag name="PLUS_ID" val="header_1"/>
+  <p:tag name="PLUS_ID" val="logo"/>
 </p:tagLst>
 </file>
 
 <file path=ppt/tags/tag138.xml><?xml version="1.0" encoding="utf-8"?>
 <p:tagLst xmlns:a="http://schemas.openxmlformats.org/drawingml/2006/main" xmlns:r="http://schemas.openxmlformats.org/officeDocument/2006/relationships" xmlns:p="http://schemas.openxmlformats.org/presentationml/2006/main">
-  <p:tag name="PLUS_ID" val="header_2"/>
+  <p:tag name="PLUS_ID" val="chapter"/>
 </p:tagLst>
 </file>
 
 <file path=ppt/tags/tag139.xml><?xml version="1.0" encoding="utf-8"?>
 <p:tagLst xmlns:a="http://schemas.openxmlformats.org/drawingml/2006/main" xmlns:r="http://schemas.openxmlformats.org/officeDocument/2006/relationships" xmlns:p="http://schemas.openxmlformats.org/presentationml/2006/main">
-  <p:tag name="PLUS_ID" val="detail_3"/>
+  <p:tag name="PLUS_ID" val="title"/>
 </p:tagLst>
 </file>
 
@@ -29056,73 +29141,49 @@
 
 <file path=ppt/tags/tag140.xml><?xml version="1.0" encoding="utf-8"?>
 <p:tagLst xmlns:a="http://schemas.openxmlformats.org/drawingml/2006/main" xmlns:r="http://schemas.openxmlformats.org/officeDocument/2006/relationships" xmlns:p="http://schemas.openxmlformats.org/presentationml/2006/main">
-  <p:tag name="PLUS_ID" val="header_3"/>
+  <p:tag name="PLUS_ID" val="detail_0"/>
 </p:tagLst>
 </file>
 
 <file path=ppt/tags/tag141.xml><?xml version="1.0" encoding="utf-8"?>
 <p:tagLst xmlns:a="http://schemas.openxmlformats.org/drawingml/2006/main" xmlns:r="http://schemas.openxmlformats.org/officeDocument/2006/relationships" xmlns:p="http://schemas.openxmlformats.org/presentationml/2006/main">
-  <p:tag name="PLUS_ID" val="logo"/>
+  <p:tag name="PLUS_ID" val="detail_1"/>
 </p:tagLst>
 </file>
 
 <file path=ppt/tags/tag142.xml><?xml version="1.0" encoding="utf-8"?>
 <p:tagLst xmlns:a="http://schemas.openxmlformats.org/drawingml/2006/main" xmlns:r="http://schemas.openxmlformats.org/officeDocument/2006/relationships" xmlns:p="http://schemas.openxmlformats.org/presentationml/2006/main">
-  <p:tag name="PLUS_ID" val="chapter"/>
+  <p:tag name="PLUS_ID" val="detail_2"/>
 </p:tagLst>
 </file>
 
 <file path=ppt/tags/tag143.xml><?xml version="1.0" encoding="utf-8"?>
 <p:tagLst xmlns:a="http://schemas.openxmlformats.org/drawingml/2006/main" xmlns:r="http://schemas.openxmlformats.org/officeDocument/2006/relationships" xmlns:p="http://schemas.openxmlformats.org/presentationml/2006/main">
-  <p:tag name="PLUS_ID" val="title"/>
+  <p:tag name="PLUS_ID" val="header_0"/>
 </p:tagLst>
 </file>
 
 <file path=ppt/tags/tag144.xml><?xml version="1.0" encoding="utf-8"?>
 <p:tagLst xmlns:a="http://schemas.openxmlformats.org/drawingml/2006/main" xmlns:r="http://schemas.openxmlformats.org/officeDocument/2006/relationships" xmlns:p="http://schemas.openxmlformats.org/presentationml/2006/main">
-  <p:tag name="PLUS_ID" val="detail_0"/>
+  <p:tag name="PLUS_ID" val="header_1"/>
 </p:tagLst>
 </file>
 
 <file path=ppt/tags/tag145.xml><?xml version="1.0" encoding="utf-8"?>
 <p:tagLst xmlns:a="http://schemas.openxmlformats.org/drawingml/2006/main" xmlns:r="http://schemas.openxmlformats.org/officeDocument/2006/relationships" xmlns:p="http://schemas.openxmlformats.org/presentationml/2006/main">
-  <p:tag name="PLUS_ID" val="detail_1"/>
+  <p:tag name="PLUS_ID" val="header_2"/>
 </p:tagLst>
 </file>
 
 <file path=ppt/tags/tag146.xml><?xml version="1.0" encoding="utf-8"?>
 <p:tagLst xmlns:a="http://schemas.openxmlformats.org/drawingml/2006/main" xmlns:r="http://schemas.openxmlformats.org/officeDocument/2006/relationships" xmlns:p="http://schemas.openxmlformats.org/presentationml/2006/main">
-  <p:tag name="PLUS_ID" val="detail_2"/>
-</p:tagLst>
-</file>
-
-<file path=ppt/tags/tag147.xml><?xml version="1.0" encoding="utf-8"?>
-<p:tagLst xmlns:a="http://schemas.openxmlformats.org/drawingml/2006/main" xmlns:r="http://schemas.openxmlformats.org/officeDocument/2006/relationships" xmlns:p="http://schemas.openxmlformats.org/presentationml/2006/main">
-  <p:tag name="PLUS_ID" val="header_0"/>
-</p:tagLst>
-</file>
-
-<file path=ppt/tags/tag148.xml><?xml version="1.0" encoding="utf-8"?>
-<p:tagLst xmlns:a="http://schemas.openxmlformats.org/drawingml/2006/main" xmlns:r="http://schemas.openxmlformats.org/officeDocument/2006/relationships" xmlns:p="http://schemas.openxmlformats.org/presentationml/2006/main">
-  <p:tag name="PLUS_ID" val="header_1"/>
-</p:tagLst>
-</file>
-
-<file path=ppt/tags/tag149.xml><?xml version="1.0" encoding="utf-8"?>
-<p:tagLst xmlns:a="http://schemas.openxmlformats.org/drawingml/2006/main" xmlns:r="http://schemas.openxmlformats.org/officeDocument/2006/relationships" xmlns:p="http://schemas.openxmlformats.org/presentationml/2006/main">
-  <p:tag name="PLUS_ID" val="header_2"/>
+  <p:tag name="PLUS_ID" val="logo"/>
 </p:tagLst>
 </file>
 
 <file path=ppt/tags/tag15.xml><?xml version="1.0" encoding="utf-8"?>
 <p:tagLst xmlns:a="http://schemas.openxmlformats.org/drawingml/2006/main" xmlns:r="http://schemas.openxmlformats.org/officeDocument/2006/relationships" xmlns:p="http://schemas.openxmlformats.org/presentationml/2006/main">
   <p:tag name="PLUS_ID" val="title"/>
-</p:tagLst>
-</file>
-
-<file path=ppt/tags/tag150.xml><?xml version="1.0" encoding="utf-8"?>
-<p:tagLst xmlns:a="http://schemas.openxmlformats.org/drawingml/2006/main" xmlns:r="http://schemas.openxmlformats.org/officeDocument/2006/relationships" xmlns:p="http://schemas.openxmlformats.org/presentationml/2006/main">
-  <p:tag name="PLUS_ID" val="logo"/>
 </p:tagLst>
 </file>
 
@@ -29140,13 +29201,13 @@
 
 <file path=ppt/tags/tag18.xml><?xml version="1.0" encoding="utf-8"?>
 <p:tagLst xmlns:a="http://schemas.openxmlformats.org/drawingml/2006/main" xmlns:r="http://schemas.openxmlformats.org/officeDocument/2006/relationships" xmlns:p="http://schemas.openxmlformats.org/presentationml/2006/main">
-  <p:tag name="PLUS_ID" val="header_1"/>
+  <p:tag name="PLUS_ID" val="logo"/>
 </p:tagLst>
 </file>
 
 <file path=ppt/tags/tag19.xml><?xml version="1.0" encoding="utf-8"?>
 <p:tagLst xmlns:a="http://schemas.openxmlformats.org/drawingml/2006/main" xmlns:r="http://schemas.openxmlformats.org/officeDocument/2006/relationships" xmlns:p="http://schemas.openxmlformats.org/presentationml/2006/main">
-  <p:tag name="PLUS_ID" val="detail_1"/>
+  <p:tag name="PLUS_ID" val="chapter"/>
 </p:tagLst>
 </file>
 
@@ -29159,61 +29220,61 @@
 
 <file path=ppt/tags/tag20.xml><?xml version="1.0" encoding="utf-8"?>
 <p:tagLst xmlns:a="http://schemas.openxmlformats.org/drawingml/2006/main" xmlns:r="http://schemas.openxmlformats.org/officeDocument/2006/relationships" xmlns:p="http://schemas.openxmlformats.org/presentationml/2006/main">
-  <p:tag name="PLUS_ID" val="image_0"/>
+  <p:tag name="PLUS_ID" val="title"/>
 </p:tagLst>
 </file>
 
 <file path=ppt/tags/tag21.xml><?xml version="1.0" encoding="utf-8"?>
 <p:tagLst xmlns:a="http://schemas.openxmlformats.org/drawingml/2006/main" xmlns:r="http://schemas.openxmlformats.org/officeDocument/2006/relationships" xmlns:p="http://schemas.openxmlformats.org/presentationml/2006/main">
-  <p:tag name="PLUS_ID" val="image_1"/>
+  <p:tag name="PLUS_ID" val="detail_0"/>
 </p:tagLst>
 </file>
 
 <file path=ppt/tags/tag22.xml><?xml version="1.0" encoding="utf-8"?>
 <p:tagLst xmlns:a="http://schemas.openxmlformats.org/drawingml/2006/main" xmlns:r="http://schemas.openxmlformats.org/officeDocument/2006/relationships" xmlns:p="http://schemas.openxmlformats.org/presentationml/2006/main">
-  <p:tag name="PLUS_ID" val="logo"/>
+  <p:tag name="PLUS_ID" val="detail_1"/>
 </p:tagLst>
 </file>
 
 <file path=ppt/tags/tag23.xml><?xml version="1.0" encoding="utf-8"?>
 <p:tagLst xmlns:a="http://schemas.openxmlformats.org/drawingml/2006/main" xmlns:r="http://schemas.openxmlformats.org/officeDocument/2006/relationships" xmlns:p="http://schemas.openxmlformats.org/presentationml/2006/main">
-  <p:tag name="PLUS_ID" val="chapter"/>
+  <p:tag name="PLUS_ID" val="detail_2"/>
 </p:tagLst>
 </file>
 
 <file path=ppt/tags/tag24.xml><?xml version="1.0" encoding="utf-8"?>
 <p:tagLst xmlns:a="http://schemas.openxmlformats.org/drawingml/2006/main" xmlns:r="http://schemas.openxmlformats.org/officeDocument/2006/relationships" xmlns:p="http://schemas.openxmlformats.org/presentationml/2006/main">
-  <p:tag name="PLUS_ID" val="title"/>
+  <p:tag name="PLUS_ID" val="header_0"/>
 </p:tagLst>
 </file>
 
 <file path=ppt/tags/tag25.xml><?xml version="1.0" encoding="utf-8"?>
 <p:tagLst xmlns:a="http://schemas.openxmlformats.org/drawingml/2006/main" xmlns:r="http://schemas.openxmlformats.org/officeDocument/2006/relationships" xmlns:p="http://schemas.openxmlformats.org/presentationml/2006/main">
-  <p:tag name="PLUS_ID" val="detail_0"/>
+  <p:tag name="PLUS_ID" val="header_1"/>
 </p:tagLst>
 </file>
 
 <file path=ppt/tags/tag26.xml><?xml version="1.0" encoding="utf-8"?>
 <p:tagLst xmlns:a="http://schemas.openxmlformats.org/drawingml/2006/main" xmlns:r="http://schemas.openxmlformats.org/officeDocument/2006/relationships" xmlns:p="http://schemas.openxmlformats.org/presentationml/2006/main">
-  <p:tag name="PLUS_ID" val="detail_1"/>
+  <p:tag name="PLUS_ID" val="header_2"/>
 </p:tagLst>
 </file>
 
 <file path=ppt/tags/tag27.xml><?xml version="1.0" encoding="utf-8"?>
 <p:tagLst xmlns:a="http://schemas.openxmlformats.org/drawingml/2006/main" xmlns:r="http://schemas.openxmlformats.org/officeDocument/2006/relationships" xmlns:p="http://schemas.openxmlformats.org/presentationml/2006/main">
-  <p:tag name="PLUS_ID" val="detail_2"/>
+  <p:tag name="PLUS_ID" val="logo"/>
 </p:tagLst>
 </file>
 
 <file path=ppt/tags/tag28.xml><?xml version="1.0" encoding="utf-8"?>
 <p:tagLst xmlns:a="http://schemas.openxmlformats.org/drawingml/2006/main" xmlns:r="http://schemas.openxmlformats.org/officeDocument/2006/relationships" xmlns:p="http://schemas.openxmlformats.org/presentationml/2006/main">
-  <p:tag name="PLUS_ID" val="header_0"/>
+  <p:tag name="PLUS_ID" val="chapter"/>
 </p:tagLst>
 </file>
 
 <file path=ppt/tags/tag29.xml><?xml version="1.0" encoding="utf-8"?>
 <p:tagLst xmlns:a="http://schemas.openxmlformats.org/drawingml/2006/main" xmlns:r="http://schemas.openxmlformats.org/officeDocument/2006/relationships" xmlns:p="http://schemas.openxmlformats.org/presentationml/2006/main">
-  <p:tag name="PLUS_ID" val="header_1"/>
+  <p:tag name="PLUS_ID" val="title"/>
 </p:tagLst>
 </file>
 
@@ -29226,61 +29287,61 @@
 
 <file path=ppt/tags/tag30.xml><?xml version="1.0" encoding="utf-8"?>
 <p:tagLst xmlns:a="http://schemas.openxmlformats.org/drawingml/2006/main" xmlns:r="http://schemas.openxmlformats.org/officeDocument/2006/relationships" xmlns:p="http://schemas.openxmlformats.org/presentationml/2006/main">
-  <p:tag name="PLUS_ID" val="header_2"/>
+  <p:tag name="PLUS_ID" val="detail_0"/>
 </p:tagLst>
 </file>
 
 <file path=ppt/tags/tag31.xml><?xml version="1.0" encoding="utf-8"?>
 <p:tagLst xmlns:a="http://schemas.openxmlformats.org/drawingml/2006/main" xmlns:r="http://schemas.openxmlformats.org/officeDocument/2006/relationships" xmlns:p="http://schemas.openxmlformats.org/presentationml/2006/main">
-  <p:tag name="PLUS_ID" val="logo"/>
+  <p:tag name="PLUS_ID" val="detail_1"/>
 </p:tagLst>
 </file>
 
 <file path=ppt/tags/tag32.xml><?xml version="1.0" encoding="utf-8"?>
 <p:tagLst xmlns:a="http://schemas.openxmlformats.org/drawingml/2006/main" xmlns:r="http://schemas.openxmlformats.org/officeDocument/2006/relationships" xmlns:p="http://schemas.openxmlformats.org/presentationml/2006/main">
-  <p:tag name="PLUS_ID" val="chapter"/>
+  <p:tag name="PLUS_ID" val="header_0"/>
 </p:tagLst>
 </file>
 
 <file path=ppt/tags/tag33.xml><?xml version="1.0" encoding="utf-8"?>
 <p:tagLst xmlns:a="http://schemas.openxmlformats.org/drawingml/2006/main" xmlns:r="http://schemas.openxmlformats.org/officeDocument/2006/relationships" xmlns:p="http://schemas.openxmlformats.org/presentationml/2006/main">
-  <p:tag name="PLUS_ID" val="title"/>
+  <p:tag name="PLUS_ID" val="header_1"/>
 </p:tagLst>
 </file>
 
 <file path=ppt/tags/tag34.xml><?xml version="1.0" encoding="utf-8"?>
 <p:tagLst xmlns:a="http://schemas.openxmlformats.org/drawingml/2006/main" xmlns:r="http://schemas.openxmlformats.org/officeDocument/2006/relationships" xmlns:p="http://schemas.openxmlformats.org/presentationml/2006/main">
-  <p:tag name="PLUS_ID" val="detail_0"/>
+  <p:tag name="PLUS_ID" val="icon_0"/>
 </p:tagLst>
 </file>
 
 <file path=ppt/tags/tag35.xml><?xml version="1.0" encoding="utf-8"?>
 <p:tagLst xmlns:a="http://schemas.openxmlformats.org/drawingml/2006/main" xmlns:r="http://schemas.openxmlformats.org/officeDocument/2006/relationships" xmlns:p="http://schemas.openxmlformats.org/presentationml/2006/main">
-  <p:tag name="PLUS_ID" val="detail_1"/>
+  <p:tag name="PLUS_ID" val="icon_1"/>
 </p:tagLst>
 </file>
 
 <file path=ppt/tags/tag36.xml><?xml version="1.0" encoding="utf-8"?>
 <p:tagLst xmlns:a="http://schemas.openxmlformats.org/drawingml/2006/main" xmlns:r="http://schemas.openxmlformats.org/officeDocument/2006/relationships" xmlns:p="http://schemas.openxmlformats.org/presentationml/2006/main">
-  <p:tag name="PLUS_ID" val="header_0"/>
+  <p:tag name="PLUS_ID" val="logo"/>
 </p:tagLst>
 </file>
 
 <file path=ppt/tags/tag37.xml><?xml version="1.0" encoding="utf-8"?>
 <p:tagLst xmlns:a="http://schemas.openxmlformats.org/drawingml/2006/main" xmlns:r="http://schemas.openxmlformats.org/officeDocument/2006/relationships" xmlns:p="http://schemas.openxmlformats.org/presentationml/2006/main">
-  <p:tag name="PLUS_ID" val="header_1"/>
+  <p:tag name="PLUS_ID" val="chapter"/>
 </p:tagLst>
 </file>
 
 <file path=ppt/tags/tag38.xml><?xml version="1.0" encoding="utf-8"?>
 <p:tagLst xmlns:a="http://schemas.openxmlformats.org/drawingml/2006/main" xmlns:r="http://schemas.openxmlformats.org/officeDocument/2006/relationships" xmlns:p="http://schemas.openxmlformats.org/presentationml/2006/main">
-  <p:tag name="PLUS_ID" val="icon_0"/>
+  <p:tag name="PLUS_ID" val="title"/>
 </p:tagLst>
 </file>
 
 <file path=ppt/tags/tag39.xml><?xml version="1.0" encoding="utf-8"?>
 <p:tagLst xmlns:a="http://schemas.openxmlformats.org/drawingml/2006/main" xmlns:r="http://schemas.openxmlformats.org/officeDocument/2006/relationships" xmlns:p="http://schemas.openxmlformats.org/presentationml/2006/main">
-  <p:tag name="PLUS_ID" val="icon_1"/>
+  <p:tag name="PLUS_ID" val="header_0"/>
 </p:tagLst>
 </file>
 
@@ -29292,61 +29353,61 @@
 
 <file path=ppt/tags/tag40.xml><?xml version="1.0" encoding="utf-8"?>
 <p:tagLst xmlns:a="http://schemas.openxmlformats.org/drawingml/2006/main" xmlns:r="http://schemas.openxmlformats.org/officeDocument/2006/relationships" xmlns:p="http://schemas.openxmlformats.org/presentationml/2006/main">
-  <p:tag name="PLUS_ID" val="logo"/>
+  <p:tag name="PLUS_ID" val="detail_0"/>
 </p:tagLst>
 </file>
 
 <file path=ppt/tags/tag41.xml><?xml version="1.0" encoding="utf-8"?>
 <p:tagLst xmlns:a="http://schemas.openxmlformats.org/drawingml/2006/main" xmlns:r="http://schemas.openxmlformats.org/officeDocument/2006/relationships" xmlns:p="http://schemas.openxmlformats.org/presentationml/2006/main">
-  <p:tag name="PLUS_ID" val="chapter"/>
+  <p:tag name="PLUS_ID" val="header_1"/>
 </p:tagLst>
 </file>
 
 <file path=ppt/tags/tag42.xml><?xml version="1.0" encoding="utf-8"?>
 <p:tagLst xmlns:a="http://schemas.openxmlformats.org/drawingml/2006/main" xmlns:r="http://schemas.openxmlformats.org/officeDocument/2006/relationships" xmlns:p="http://schemas.openxmlformats.org/presentationml/2006/main">
-  <p:tag name="PLUS_ID" val="title"/>
+  <p:tag name="PLUS_ID" val="detail_1"/>
 </p:tagLst>
 </file>
 
 <file path=ppt/tags/tag43.xml><?xml version="1.0" encoding="utf-8"?>
 <p:tagLst xmlns:a="http://schemas.openxmlformats.org/drawingml/2006/main" xmlns:r="http://schemas.openxmlformats.org/officeDocument/2006/relationships" xmlns:p="http://schemas.openxmlformats.org/presentationml/2006/main">
-  <p:tag name="PLUS_ID" val="header_0"/>
+  <p:tag name="PLUS_ID" val="header_2"/>
 </p:tagLst>
 </file>
 
 <file path=ppt/tags/tag44.xml><?xml version="1.0" encoding="utf-8"?>
 <p:tagLst xmlns:a="http://schemas.openxmlformats.org/drawingml/2006/main" xmlns:r="http://schemas.openxmlformats.org/officeDocument/2006/relationships" xmlns:p="http://schemas.openxmlformats.org/presentationml/2006/main">
-  <p:tag name="PLUS_ID" val="detail_0"/>
+  <p:tag name="PLUS_ID" val="detail_2"/>
 </p:tagLst>
 </file>
 
 <file path=ppt/tags/tag45.xml><?xml version="1.0" encoding="utf-8"?>
 <p:tagLst xmlns:a="http://schemas.openxmlformats.org/drawingml/2006/main" xmlns:r="http://schemas.openxmlformats.org/officeDocument/2006/relationships" xmlns:p="http://schemas.openxmlformats.org/presentationml/2006/main">
-  <p:tag name="PLUS_ID" val="header_1"/>
+  <p:tag name="PLUS_ID" val="header_3"/>
 </p:tagLst>
 </file>
 
 <file path=ppt/tags/tag46.xml><?xml version="1.0" encoding="utf-8"?>
 <p:tagLst xmlns:a="http://schemas.openxmlformats.org/drawingml/2006/main" xmlns:r="http://schemas.openxmlformats.org/officeDocument/2006/relationships" xmlns:p="http://schemas.openxmlformats.org/presentationml/2006/main">
-  <p:tag name="PLUS_ID" val="detail_1"/>
+  <p:tag name="PLUS_ID" val="detail_3"/>
 </p:tagLst>
 </file>
 
 <file path=ppt/tags/tag47.xml><?xml version="1.0" encoding="utf-8"?>
 <p:tagLst xmlns:a="http://schemas.openxmlformats.org/drawingml/2006/main" xmlns:r="http://schemas.openxmlformats.org/officeDocument/2006/relationships" xmlns:p="http://schemas.openxmlformats.org/presentationml/2006/main">
-  <p:tag name="PLUS_ID" val="header_2"/>
+  <p:tag name="PLUS_ID" val="logo"/>
 </p:tagLst>
 </file>
 
 <file path=ppt/tags/tag48.xml><?xml version="1.0" encoding="utf-8"?>
 <p:tagLst xmlns:a="http://schemas.openxmlformats.org/drawingml/2006/main" xmlns:r="http://schemas.openxmlformats.org/officeDocument/2006/relationships" xmlns:p="http://schemas.openxmlformats.org/presentationml/2006/main">
-  <p:tag name="PLUS_ID" val="detail_2"/>
+  <p:tag name="PLUS_ID" val="chapter"/>
 </p:tagLst>
 </file>
 
 <file path=ppt/tags/tag49.xml><?xml version="1.0" encoding="utf-8"?>
 <p:tagLst xmlns:a="http://schemas.openxmlformats.org/drawingml/2006/main" xmlns:r="http://schemas.openxmlformats.org/officeDocument/2006/relationships" xmlns:p="http://schemas.openxmlformats.org/presentationml/2006/main">
-  <p:tag name="PLUS_ID" val="header_3"/>
+  <p:tag name="PLUS_ID" val="title"/>
 </p:tagLst>
 </file>
 
@@ -29359,61 +29420,61 @@
 
 <file path=ppt/tags/tag50.xml><?xml version="1.0" encoding="utf-8"?>
 <p:tagLst xmlns:a="http://schemas.openxmlformats.org/drawingml/2006/main" xmlns:r="http://schemas.openxmlformats.org/officeDocument/2006/relationships" xmlns:p="http://schemas.openxmlformats.org/presentationml/2006/main">
-  <p:tag name="PLUS_ID" val="detail_3"/>
+  <p:tag name="PLUS_ID" val="detail_0"/>
 </p:tagLst>
 </file>
 
 <file path=ppt/tags/tag51.xml><?xml version="1.0" encoding="utf-8"?>
 <p:tagLst xmlns:a="http://schemas.openxmlformats.org/drawingml/2006/main" xmlns:r="http://schemas.openxmlformats.org/officeDocument/2006/relationships" xmlns:p="http://schemas.openxmlformats.org/presentationml/2006/main">
-  <p:tag name="PLUS_ID" val="logo"/>
+  <p:tag name="PLUS_ID" val="detail_1"/>
 </p:tagLst>
 </file>
 
 <file path=ppt/tags/tag52.xml><?xml version="1.0" encoding="utf-8"?>
 <p:tagLst xmlns:a="http://schemas.openxmlformats.org/drawingml/2006/main" xmlns:r="http://schemas.openxmlformats.org/officeDocument/2006/relationships" xmlns:p="http://schemas.openxmlformats.org/presentationml/2006/main">
-  <p:tag name="PLUS_ID" val="chapter"/>
+  <p:tag name="PLUS_ID" val="detail_2"/>
 </p:tagLst>
 </file>
 
 <file path=ppt/tags/tag53.xml><?xml version="1.0" encoding="utf-8"?>
 <p:tagLst xmlns:a="http://schemas.openxmlformats.org/drawingml/2006/main" xmlns:r="http://schemas.openxmlformats.org/officeDocument/2006/relationships" xmlns:p="http://schemas.openxmlformats.org/presentationml/2006/main">
-  <p:tag name="PLUS_ID" val="title"/>
+  <p:tag name="PLUS_ID" val="header_0"/>
 </p:tagLst>
 </file>
 
 <file path=ppt/tags/tag54.xml><?xml version="1.0" encoding="utf-8"?>
 <p:tagLst xmlns:a="http://schemas.openxmlformats.org/drawingml/2006/main" xmlns:r="http://schemas.openxmlformats.org/officeDocument/2006/relationships" xmlns:p="http://schemas.openxmlformats.org/presentationml/2006/main">
-  <p:tag name="PLUS_ID" val="detail_0"/>
+  <p:tag name="PLUS_ID" val="header_1"/>
 </p:tagLst>
 </file>
 
 <file path=ppt/tags/tag55.xml><?xml version="1.0" encoding="utf-8"?>
 <p:tagLst xmlns:a="http://schemas.openxmlformats.org/drawingml/2006/main" xmlns:r="http://schemas.openxmlformats.org/officeDocument/2006/relationships" xmlns:p="http://schemas.openxmlformats.org/presentationml/2006/main">
-  <p:tag name="PLUS_ID" val="detail_1"/>
+  <p:tag name="PLUS_ID" val="header_2"/>
 </p:tagLst>
 </file>
 
 <file path=ppt/tags/tag56.xml><?xml version="1.0" encoding="utf-8"?>
 <p:tagLst xmlns:a="http://schemas.openxmlformats.org/drawingml/2006/main" xmlns:r="http://schemas.openxmlformats.org/officeDocument/2006/relationships" xmlns:p="http://schemas.openxmlformats.org/presentationml/2006/main">
-  <p:tag name="PLUS_ID" val="detail_2"/>
+  <p:tag name="PLUS_ID" val="logo"/>
 </p:tagLst>
 </file>
 
 <file path=ppt/tags/tag57.xml><?xml version="1.0" encoding="utf-8"?>
 <p:tagLst xmlns:a="http://schemas.openxmlformats.org/drawingml/2006/main" xmlns:r="http://schemas.openxmlformats.org/officeDocument/2006/relationships" xmlns:p="http://schemas.openxmlformats.org/presentationml/2006/main">
-  <p:tag name="PLUS_ID" val="header_0"/>
+  <p:tag name="PLUS_ID" val="chapter"/>
 </p:tagLst>
 </file>
 
 <file path=ppt/tags/tag58.xml><?xml version="1.0" encoding="utf-8"?>
 <p:tagLst xmlns:a="http://schemas.openxmlformats.org/drawingml/2006/main" xmlns:r="http://schemas.openxmlformats.org/officeDocument/2006/relationships" xmlns:p="http://schemas.openxmlformats.org/presentationml/2006/main">
-  <p:tag name="PLUS_ID" val="header_1"/>
+  <p:tag name="PLUS_ID" val="title"/>
 </p:tagLst>
 </file>
 
 <file path=ppt/tags/tag59.xml><?xml version="1.0" encoding="utf-8"?>
 <p:tagLst xmlns:a="http://schemas.openxmlformats.org/drawingml/2006/main" xmlns:r="http://schemas.openxmlformats.org/officeDocument/2006/relationships" xmlns:p="http://schemas.openxmlformats.org/presentationml/2006/main">
-  <p:tag name="PLUS_ID" val="header_2"/>
+  <p:tag name="PLUS_ID" val="detail_0"/>
 </p:tagLst>
 </file>
 
@@ -29425,61 +29486,61 @@
 
 <file path=ppt/tags/tag60.xml><?xml version="1.0" encoding="utf-8"?>
 <p:tagLst xmlns:a="http://schemas.openxmlformats.org/drawingml/2006/main" xmlns:r="http://schemas.openxmlformats.org/officeDocument/2006/relationships" xmlns:p="http://schemas.openxmlformats.org/presentationml/2006/main">
-  <p:tag name="PLUS_ID" val="logo"/>
+  <p:tag name="PLUS_ID" val="detail_1"/>
 </p:tagLst>
 </file>
 
 <file path=ppt/tags/tag61.xml><?xml version="1.0" encoding="utf-8"?>
 <p:tagLst xmlns:a="http://schemas.openxmlformats.org/drawingml/2006/main" xmlns:r="http://schemas.openxmlformats.org/officeDocument/2006/relationships" xmlns:p="http://schemas.openxmlformats.org/presentationml/2006/main">
-  <p:tag name="PLUS_ID" val="chapter"/>
+  <p:tag name="PLUS_ID" val="detail_2"/>
 </p:tagLst>
 </file>
 
 <file path=ppt/tags/tag62.xml><?xml version="1.0" encoding="utf-8"?>
 <p:tagLst xmlns:a="http://schemas.openxmlformats.org/drawingml/2006/main" xmlns:r="http://schemas.openxmlformats.org/officeDocument/2006/relationships" xmlns:p="http://schemas.openxmlformats.org/presentationml/2006/main">
-  <p:tag name="PLUS_ID" val="title"/>
+  <p:tag name="PLUS_ID" val="header_0"/>
 </p:tagLst>
 </file>
 
 <file path=ppt/tags/tag63.xml><?xml version="1.0" encoding="utf-8"?>
 <p:tagLst xmlns:a="http://schemas.openxmlformats.org/drawingml/2006/main" xmlns:r="http://schemas.openxmlformats.org/officeDocument/2006/relationships" xmlns:p="http://schemas.openxmlformats.org/presentationml/2006/main">
-  <p:tag name="PLUS_ID" val="detail_0"/>
+  <p:tag name="PLUS_ID" val="header_1"/>
 </p:tagLst>
 </file>
 
 <file path=ppt/tags/tag64.xml><?xml version="1.0" encoding="utf-8"?>
 <p:tagLst xmlns:a="http://schemas.openxmlformats.org/drawingml/2006/main" xmlns:r="http://schemas.openxmlformats.org/officeDocument/2006/relationships" xmlns:p="http://schemas.openxmlformats.org/presentationml/2006/main">
-  <p:tag name="PLUS_ID" val="detail_1"/>
+  <p:tag name="PLUS_ID" val="header_2"/>
 </p:tagLst>
 </file>
 
 <file path=ppt/tags/tag65.xml><?xml version="1.0" encoding="utf-8"?>
 <p:tagLst xmlns:a="http://schemas.openxmlformats.org/drawingml/2006/main" xmlns:r="http://schemas.openxmlformats.org/officeDocument/2006/relationships" xmlns:p="http://schemas.openxmlformats.org/presentationml/2006/main">
-  <p:tag name="PLUS_ID" val="detail_2"/>
+  <p:tag name="PLUS_ID" val="image_2"/>
 </p:tagLst>
 </file>
 
 <file path=ppt/tags/tag66.xml><?xml version="1.0" encoding="utf-8"?>
 <p:tagLst xmlns:a="http://schemas.openxmlformats.org/drawingml/2006/main" xmlns:r="http://schemas.openxmlformats.org/officeDocument/2006/relationships" xmlns:p="http://schemas.openxmlformats.org/presentationml/2006/main">
-  <p:tag name="PLUS_ID" val="header_0"/>
+  <p:tag name="PLUS_ID" val="logo"/>
 </p:tagLst>
 </file>
 
 <file path=ppt/tags/tag67.xml><?xml version="1.0" encoding="utf-8"?>
 <p:tagLst xmlns:a="http://schemas.openxmlformats.org/drawingml/2006/main" xmlns:r="http://schemas.openxmlformats.org/officeDocument/2006/relationships" xmlns:p="http://schemas.openxmlformats.org/presentationml/2006/main">
-  <p:tag name="PLUS_ID" val="header_1"/>
+  <p:tag name="PLUS_ID" val="title"/>
 </p:tagLst>
 </file>
 
 <file path=ppt/tags/tag68.xml><?xml version="1.0" encoding="utf-8"?>
 <p:tagLst xmlns:a="http://schemas.openxmlformats.org/drawingml/2006/main" xmlns:r="http://schemas.openxmlformats.org/officeDocument/2006/relationships" xmlns:p="http://schemas.openxmlformats.org/presentationml/2006/main">
-  <p:tag name="PLUS_ID" val="header_2"/>
+  <p:tag name="PLUS_ID" val="header_0"/>
 </p:tagLst>
 </file>
 
 <file path=ppt/tags/tag69.xml><?xml version="1.0" encoding="utf-8"?>
 <p:tagLst xmlns:a="http://schemas.openxmlformats.org/drawingml/2006/main" xmlns:r="http://schemas.openxmlformats.org/officeDocument/2006/relationships" xmlns:p="http://schemas.openxmlformats.org/presentationml/2006/main">
-  <p:tag name="PLUS_ID" val="image_2"/>
+  <p:tag name="PLUS_ID" val="detail_0"/>
 </p:tagLst>
 </file>
 
@@ -29491,61 +29552,61 @@
 
 <file path=ppt/tags/tag70.xml><?xml version="1.0" encoding="utf-8"?>
 <p:tagLst xmlns:a="http://schemas.openxmlformats.org/drawingml/2006/main" xmlns:r="http://schemas.openxmlformats.org/officeDocument/2006/relationships" xmlns:p="http://schemas.openxmlformats.org/presentationml/2006/main">
-  <p:tag name="PLUS_ID" val="logo"/>
+  <p:tag name="PLUS_ID" val="header_1"/>
 </p:tagLst>
 </file>
 
 <file path=ppt/tags/tag71.xml><?xml version="1.0" encoding="utf-8"?>
 <p:tagLst xmlns:a="http://schemas.openxmlformats.org/drawingml/2006/main" xmlns:r="http://schemas.openxmlformats.org/officeDocument/2006/relationships" xmlns:p="http://schemas.openxmlformats.org/presentationml/2006/main">
-  <p:tag name="PLUS_ID" val="title"/>
+  <p:tag name="PLUS_ID" val="detail_1"/>
 </p:tagLst>
 </file>
 
 <file path=ppt/tags/tag72.xml><?xml version="1.0" encoding="utf-8"?>
 <p:tagLst xmlns:a="http://schemas.openxmlformats.org/drawingml/2006/main" xmlns:r="http://schemas.openxmlformats.org/officeDocument/2006/relationships" xmlns:p="http://schemas.openxmlformats.org/presentationml/2006/main">
-  <p:tag name="PLUS_ID" val="header_0"/>
+  <p:tag name="PLUS_ID" val="logo"/>
 </p:tagLst>
 </file>
 
 <file path=ppt/tags/tag73.xml><?xml version="1.0" encoding="utf-8"?>
 <p:tagLst xmlns:a="http://schemas.openxmlformats.org/drawingml/2006/main" xmlns:r="http://schemas.openxmlformats.org/officeDocument/2006/relationships" xmlns:p="http://schemas.openxmlformats.org/presentationml/2006/main">
-  <p:tag name="PLUS_ID" val="detail_0"/>
+  <p:tag name="PLUS_ID" val="chapter"/>
 </p:tagLst>
 </file>
 
 <file path=ppt/tags/tag74.xml><?xml version="1.0" encoding="utf-8"?>
 <p:tagLst xmlns:a="http://schemas.openxmlformats.org/drawingml/2006/main" xmlns:r="http://schemas.openxmlformats.org/officeDocument/2006/relationships" xmlns:p="http://schemas.openxmlformats.org/presentationml/2006/main">
-  <p:tag name="PLUS_ID" val="header_1"/>
+  <p:tag name="PLUS_ID" val="chapter"/>
 </p:tagLst>
 </file>
 
 <file path=ppt/tags/tag75.xml><?xml version="1.0" encoding="utf-8"?>
 <p:tagLst xmlns:a="http://schemas.openxmlformats.org/drawingml/2006/main" xmlns:r="http://schemas.openxmlformats.org/officeDocument/2006/relationships" xmlns:p="http://schemas.openxmlformats.org/presentationml/2006/main">
-  <p:tag name="PLUS_ID" val="detail_1"/>
+  <p:tag name="PLUS_ID" val="title"/>
 </p:tagLst>
 </file>
 
 <file path=ppt/tags/tag76.xml><?xml version="1.0" encoding="utf-8"?>
 <p:tagLst xmlns:a="http://schemas.openxmlformats.org/drawingml/2006/main" xmlns:r="http://schemas.openxmlformats.org/officeDocument/2006/relationships" xmlns:p="http://schemas.openxmlformats.org/presentationml/2006/main">
-  <p:tag name="PLUS_ID" val="logo"/>
+  <p:tag name="PLUS_ID" val="detail_0"/>
 </p:tagLst>
 </file>
 
 <file path=ppt/tags/tag77.xml><?xml version="1.0" encoding="utf-8"?>
 <p:tagLst xmlns:a="http://schemas.openxmlformats.org/drawingml/2006/main" xmlns:r="http://schemas.openxmlformats.org/officeDocument/2006/relationships" xmlns:p="http://schemas.openxmlformats.org/presentationml/2006/main">
-  <p:tag name="PLUS_ID" val="chapter"/>
+  <p:tag name="PLUS_ID" val="detail_1"/>
 </p:tagLst>
 </file>
 
 <file path=ppt/tags/tag78.xml><?xml version="1.0" encoding="utf-8"?>
 <p:tagLst xmlns:a="http://schemas.openxmlformats.org/drawingml/2006/main" xmlns:r="http://schemas.openxmlformats.org/officeDocument/2006/relationships" xmlns:p="http://schemas.openxmlformats.org/presentationml/2006/main">
-  <p:tag name="PLUS_ID" val="chapter"/>
+  <p:tag name="PLUS_ID" val="header_0"/>
 </p:tagLst>
 </file>
 
 <file path=ppt/tags/tag79.xml><?xml version="1.0" encoding="utf-8"?>
 <p:tagLst xmlns:a="http://schemas.openxmlformats.org/drawingml/2006/main" xmlns:r="http://schemas.openxmlformats.org/officeDocument/2006/relationships" xmlns:p="http://schemas.openxmlformats.org/presentationml/2006/main">
-  <p:tag name="PLUS_ID" val="title"/>
+  <p:tag name="PLUS_ID" val="header_1"/>
 </p:tagLst>
 </file>
 
@@ -29557,61 +29618,61 @@
 
 <file path=ppt/tags/tag80.xml><?xml version="1.0" encoding="utf-8"?>
 <p:tagLst xmlns:a="http://schemas.openxmlformats.org/drawingml/2006/main" xmlns:r="http://schemas.openxmlformats.org/officeDocument/2006/relationships" xmlns:p="http://schemas.openxmlformats.org/presentationml/2006/main">
-  <p:tag name="PLUS_ID" val="detail_0"/>
+  <p:tag name="PLUS_ID" val="detail_2"/>
 </p:tagLst>
 </file>
 
 <file path=ppt/tags/tag81.xml><?xml version="1.0" encoding="utf-8"?>
 <p:tagLst xmlns:a="http://schemas.openxmlformats.org/drawingml/2006/main" xmlns:r="http://schemas.openxmlformats.org/officeDocument/2006/relationships" xmlns:p="http://schemas.openxmlformats.org/presentationml/2006/main">
-  <p:tag name="PLUS_ID" val="detail_1"/>
+  <p:tag name="PLUS_ID" val="detail_3"/>
 </p:tagLst>
 </file>
 
 <file path=ppt/tags/tag82.xml><?xml version="1.0" encoding="utf-8"?>
 <p:tagLst xmlns:a="http://schemas.openxmlformats.org/drawingml/2006/main" xmlns:r="http://schemas.openxmlformats.org/officeDocument/2006/relationships" xmlns:p="http://schemas.openxmlformats.org/presentationml/2006/main">
-  <p:tag name="PLUS_ID" val="header_0"/>
+  <p:tag name="PLUS_ID" val="header_2"/>
 </p:tagLst>
 </file>
 
 <file path=ppt/tags/tag83.xml><?xml version="1.0" encoding="utf-8"?>
 <p:tagLst xmlns:a="http://schemas.openxmlformats.org/drawingml/2006/main" xmlns:r="http://schemas.openxmlformats.org/officeDocument/2006/relationships" xmlns:p="http://schemas.openxmlformats.org/presentationml/2006/main">
-  <p:tag name="PLUS_ID" val="header_1"/>
+  <p:tag name="PLUS_ID" val="header_3"/>
 </p:tagLst>
 </file>
 
 <file path=ppt/tags/tag84.xml><?xml version="1.0" encoding="utf-8"?>
 <p:tagLst xmlns:a="http://schemas.openxmlformats.org/drawingml/2006/main" xmlns:r="http://schemas.openxmlformats.org/officeDocument/2006/relationships" xmlns:p="http://schemas.openxmlformats.org/presentationml/2006/main">
-  <p:tag name="PLUS_ID" val="detail_2"/>
+  <p:tag name="PLUS_ID" val="logo"/>
 </p:tagLst>
 </file>
 
 <file path=ppt/tags/tag85.xml><?xml version="1.0" encoding="utf-8"?>
 <p:tagLst xmlns:a="http://schemas.openxmlformats.org/drawingml/2006/main" xmlns:r="http://schemas.openxmlformats.org/officeDocument/2006/relationships" xmlns:p="http://schemas.openxmlformats.org/presentationml/2006/main">
-  <p:tag name="PLUS_ID" val="detail_3"/>
+  <p:tag name="PLUS_ID" val="chapter"/>
 </p:tagLst>
 </file>
 
 <file path=ppt/tags/tag86.xml><?xml version="1.0" encoding="utf-8"?>
 <p:tagLst xmlns:a="http://schemas.openxmlformats.org/drawingml/2006/main" xmlns:r="http://schemas.openxmlformats.org/officeDocument/2006/relationships" xmlns:p="http://schemas.openxmlformats.org/presentationml/2006/main">
-  <p:tag name="PLUS_ID" val="header_2"/>
+  <p:tag name="PLUS_ID" val="title"/>
 </p:tagLst>
 </file>
 
 <file path=ppt/tags/tag87.xml><?xml version="1.0" encoding="utf-8"?>
 <p:tagLst xmlns:a="http://schemas.openxmlformats.org/drawingml/2006/main" xmlns:r="http://schemas.openxmlformats.org/officeDocument/2006/relationships" xmlns:p="http://schemas.openxmlformats.org/presentationml/2006/main">
-  <p:tag name="PLUS_ID" val="header_3"/>
+  <p:tag name="PLUS_ID" val="detail_0"/>
 </p:tagLst>
 </file>
 
 <file path=ppt/tags/tag88.xml><?xml version="1.0" encoding="utf-8"?>
 <p:tagLst xmlns:a="http://schemas.openxmlformats.org/drawingml/2006/main" xmlns:r="http://schemas.openxmlformats.org/officeDocument/2006/relationships" xmlns:p="http://schemas.openxmlformats.org/presentationml/2006/main">
-  <p:tag name="PLUS_ID" val="logo"/>
+  <p:tag name="PLUS_ID" val="detail_1"/>
 </p:tagLst>
 </file>
 
 <file path=ppt/tags/tag89.xml><?xml version="1.0" encoding="utf-8"?>
 <p:tagLst xmlns:a="http://schemas.openxmlformats.org/drawingml/2006/main" xmlns:r="http://schemas.openxmlformats.org/officeDocument/2006/relationships" xmlns:p="http://schemas.openxmlformats.org/presentationml/2006/main">
-  <p:tag name="PLUS_ID" val="chapter"/>
+  <p:tag name="PLUS_ID" val="detail_2"/>
 </p:tagLst>
 </file>
 
@@ -29623,61 +29684,61 @@
 
 <file path=ppt/tags/tag90.xml><?xml version="1.0" encoding="utf-8"?>
 <p:tagLst xmlns:a="http://schemas.openxmlformats.org/drawingml/2006/main" xmlns:r="http://schemas.openxmlformats.org/officeDocument/2006/relationships" xmlns:p="http://schemas.openxmlformats.org/presentationml/2006/main">
-  <p:tag name="PLUS_ID" val="title"/>
+  <p:tag name="PLUS_ID" val="header_0"/>
 </p:tagLst>
 </file>
 
 <file path=ppt/tags/tag91.xml><?xml version="1.0" encoding="utf-8"?>
 <p:tagLst xmlns:a="http://schemas.openxmlformats.org/drawingml/2006/main" xmlns:r="http://schemas.openxmlformats.org/officeDocument/2006/relationships" xmlns:p="http://schemas.openxmlformats.org/presentationml/2006/main">
-  <p:tag name="PLUS_ID" val="detail_0"/>
+  <p:tag name="PLUS_ID" val="header_1"/>
 </p:tagLst>
 </file>
 
 <file path=ppt/tags/tag92.xml><?xml version="1.0" encoding="utf-8"?>
 <p:tagLst xmlns:a="http://schemas.openxmlformats.org/drawingml/2006/main" xmlns:r="http://schemas.openxmlformats.org/officeDocument/2006/relationships" xmlns:p="http://schemas.openxmlformats.org/presentationml/2006/main">
-  <p:tag name="PLUS_ID" val="detail_1"/>
+  <p:tag name="PLUS_ID" val="header_2"/>
 </p:tagLst>
 </file>
 
 <file path=ppt/tags/tag93.xml><?xml version="1.0" encoding="utf-8"?>
 <p:tagLst xmlns:a="http://schemas.openxmlformats.org/drawingml/2006/main" xmlns:r="http://schemas.openxmlformats.org/officeDocument/2006/relationships" xmlns:p="http://schemas.openxmlformats.org/presentationml/2006/main">
-  <p:tag name="PLUS_ID" val="detail_2"/>
+  <p:tag name="PLUS_ID" val="logo"/>
 </p:tagLst>
 </file>
 
 <file path=ppt/tags/tag94.xml><?xml version="1.0" encoding="utf-8"?>
 <p:tagLst xmlns:a="http://schemas.openxmlformats.org/drawingml/2006/main" xmlns:r="http://schemas.openxmlformats.org/officeDocument/2006/relationships" xmlns:p="http://schemas.openxmlformats.org/presentationml/2006/main">
-  <p:tag name="PLUS_ID" val="header_0"/>
+  <p:tag name="PLUS_ID" val="chapter"/>
 </p:tagLst>
 </file>
 
 <file path=ppt/tags/tag95.xml><?xml version="1.0" encoding="utf-8"?>
 <p:tagLst xmlns:a="http://schemas.openxmlformats.org/drawingml/2006/main" xmlns:r="http://schemas.openxmlformats.org/officeDocument/2006/relationships" xmlns:p="http://schemas.openxmlformats.org/presentationml/2006/main">
-  <p:tag name="PLUS_ID" val="header_1"/>
+  <p:tag name="PLUS_ID" val="title"/>
 </p:tagLst>
 </file>
 
 <file path=ppt/tags/tag96.xml><?xml version="1.0" encoding="utf-8"?>
 <p:tagLst xmlns:a="http://schemas.openxmlformats.org/drawingml/2006/main" xmlns:r="http://schemas.openxmlformats.org/officeDocument/2006/relationships" xmlns:p="http://schemas.openxmlformats.org/presentationml/2006/main">
-  <p:tag name="PLUS_ID" val="header_2"/>
+  <p:tag name="PLUS_ID" val="detail_0"/>
 </p:tagLst>
 </file>
 
 <file path=ppt/tags/tag97.xml><?xml version="1.0" encoding="utf-8"?>
 <p:tagLst xmlns:a="http://schemas.openxmlformats.org/drawingml/2006/main" xmlns:r="http://schemas.openxmlformats.org/officeDocument/2006/relationships" xmlns:p="http://schemas.openxmlformats.org/presentationml/2006/main">
-  <p:tag name="PLUS_ID" val="logo"/>
+  <p:tag name="PLUS_ID" val="detail_1"/>
 </p:tagLst>
 </file>
 
 <file path=ppt/tags/tag98.xml><?xml version="1.0" encoding="utf-8"?>
 <p:tagLst xmlns:a="http://schemas.openxmlformats.org/drawingml/2006/main" xmlns:r="http://schemas.openxmlformats.org/officeDocument/2006/relationships" xmlns:p="http://schemas.openxmlformats.org/presentationml/2006/main">
-  <p:tag name="PLUS_ID" val="chapter"/>
+  <p:tag name="PLUS_ID" val="header_0"/>
 </p:tagLst>
 </file>
 
 <file path=ppt/tags/tag99.xml><?xml version="1.0" encoding="utf-8"?>
 <p:tagLst xmlns:a="http://schemas.openxmlformats.org/drawingml/2006/main" xmlns:r="http://schemas.openxmlformats.org/officeDocument/2006/relationships" xmlns:p="http://schemas.openxmlformats.org/presentationml/2006/main">
-  <p:tag name="PLUS_ID" val="title"/>
+  <p:tag name="PLUS_ID" val="header_1"/>
 </p:tagLst>
 </file>
 

--- a/uke_4/slides/aws-sqs-sns.pptx
+++ b/uke_4/slides/aws-sqs-sns.pptx
@@ -228,7 +228,7 @@
           <a:p>
             <a:fld id="{D2B9E9F1-0B31-7C42-8FFA-24EEB5345660}" type="datetimeFigureOut">
               <a:rPr lang="en-NO" smtClean="0"/>
-              <a:t>23/01/2026</a:t>
+              <a:t>02/02/2026</a:t>
             </a:fld>
             <a:endParaRPr lang="en-NO"/>
           </a:p>
@@ -625,7 +625,7 @@
           <a:p>
             <a:fld id="{2E405B87-0B1C-464B-928F-AA5E9D282D70}" type="datetimeFigureOut">
               <a:rPr lang="en-US" smtClean="0"/>
-              <a:t>1/23/26</a:t>
+              <a:t>2/2/26</a:t>
             </a:fld>
             <a:endParaRPr lang="en-US"/>
           </a:p>
@@ -959,7 +959,7 @@
           <a:p>
             <a:fld id="{2E405B87-0B1C-464B-928F-AA5E9D282D70}" type="datetimeFigureOut">
               <a:rPr lang="en-US" smtClean="0"/>
-              <a:t>1/23/26</a:t>
+              <a:t>2/2/26</a:t>
             </a:fld>
             <a:endParaRPr lang="en-US"/>
           </a:p>
@@ -1408,7 +1408,7 @@
           <a:p>
             <a:fld id="{2E405B87-0B1C-464B-928F-AA5E9D282D70}" type="datetimeFigureOut">
               <a:rPr lang="en-US" smtClean="0"/>
-              <a:t>1/23/26</a:t>
+              <a:t>2/2/26</a:t>
             </a:fld>
             <a:endParaRPr lang="en-US"/>
           </a:p>
@@ -2082,7 +2082,7 @@
           <a:p>
             <a:fld id="{2E405B87-0B1C-464B-928F-AA5E9D282D70}" type="datetimeFigureOut">
               <a:rPr lang="en-US" smtClean="0"/>
-              <a:t>1/23/26</a:t>
+              <a:t>2/2/26</a:t>
             </a:fld>
             <a:endParaRPr lang="en-US"/>
           </a:p>
@@ -2316,7 +2316,7 @@
           <a:p>
             <a:fld id="{2E405B87-0B1C-464B-928F-AA5E9D282D70}" type="datetimeFigureOut">
               <a:rPr lang="en-US" smtClean="0"/>
-              <a:t>1/23/26</a:t>
+              <a:t>2/2/26</a:t>
             </a:fld>
             <a:endParaRPr lang="en-US"/>
           </a:p>
@@ -2874,7 +2874,7 @@
           <a:p>
             <a:fld id="{2E405B87-0B1C-464B-928F-AA5E9D282D70}" type="datetimeFigureOut">
               <a:rPr lang="en-US" smtClean="0"/>
-              <a:t>1/23/26</a:t>
+              <a:t>2/2/26</a:t>
             </a:fld>
             <a:endParaRPr lang="en-US"/>
           </a:p>
@@ -3750,7 +3750,7 @@
           <a:p>
             <a:fld id="{2E405B87-0B1C-464B-928F-AA5E9D282D70}" type="datetimeFigureOut">
               <a:rPr lang="en-US" smtClean="0"/>
-              <a:t>1/23/26</a:t>
+              <a:t>2/2/26</a:t>
             </a:fld>
             <a:endParaRPr lang="en-US"/>
           </a:p>
@@ -4461,7 +4461,7 @@
           <a:p>
             <a:fld id="{2E405B87-0B1C-464B-928F-AA5E9D282D70}" type="datetimeFigureOut">
               <a:rPr lang="en-US" smtClean="0"/>
-              <a:t>1/23/26</a:t>
+              <a:t>2/2/26</a:t>
             </a:fld>
             <a:endParaRPr lang="en-US"/>
           </a:p>
@@ -4695,7 +4695,7 @@
           <a:p>
             <a:fld id="{2E405B87-0B1C-464B-928F-AA5E9D282D70}" type="datetimeFigureOut">
               <a:rPr lang="en-US" smtClean="0"/>
-              <a:t>1/23/26</a:t>
+              <a:t>2/2/26</a:t>
             </a:fld>
             <a:endParaRPr lang="en-US"/>
           </a:p>
@@ -5401,7 +5401,7 @@
           <a:p>
             <a:fld id="{2E405B87-0B1C-464B-928F-AA5E9D282D70}" type="datetimeFigureOut">
               <a:rPr lang="en-US" smtClean="0"/>
-              <a:t>1/23/26</a:t>
+              <a:t>2/2/26</a:t>
             </a:fld>
             <a:endParaRPr lang="en-US"/>
           </a:p>
@@ -5874,7 +5874,7 @@
           <a:p>
             <a:fld id="{2E405B87-0B1C-464B-928F-AA5E9D282D70}" type="datetimeFigureOut">
               <a:rPr lang="en-US" smtClean="0"/>
-              <a:t>1/23/26</a:t>
+              <a:t>2/2/26</a:t>
             </a:fld>
             <a:endParaRPr lang="en-US"/>
           </a:p>
@@ -6258,7 +6258,7 @@
           <a:p>
             <a:fld id="{2E405B87-0B1C-464B-928F-AA5E9D282D70}" type="datetimeFigureOut">
               <a:rPr lang="en-US" smtClean="0"/>
-              <a:t>1/23/26</a:t>
+              <a:t>2/2/26</a:t>
             </a:fld>
             <a:endParaRPr lang="en-US"/>
           </a:p>
@@ -6666,7 +6666,7 @@
           <a:p>
             <a:fld id="{2E405B87-0B1C-464B-928F-AA5E9D282D70}" type="datetimeFigureOut">
               <a:rPr lang="en-US" smtClean="0"/>
-              <a:t>1/23/26</a:t>
+              <a:t>2/2/26</a:t>
             </a:fld>
             <a:endParaRPr lang="en-US"/>
           </a:p>
@@ -6962,7 +6962,7 @@
           <a:p>
             <a:fld id="{2E405B87-0B1C-464B-928F-AA5E9D282D70}" type="datetimeFigureOut">
               <a:rPr lang="en-US" smtClean="0"/>
-              <a:t>1/23/26</a:t>
+              <a:t>2/2/26</a:t>
             </a:fld>
             <a:endParaRPr lang="en-US"/>
           </a:p>
@@ -7411,7 +7411,7 @@
           <a:p>
             <a:fld id="{2E405B87-0B1C-464B-928F-AA5E9D282D70}" type="datetimeFigureOut">
               <a:rPr lang="en-US" smtClean="0"/>
-              <a:t>1/23/26</a:t>
+              <a:t>2/2/26</a:t>
             </a:fld>
             <a:endParaRPr lang="en-US"/>
           </a:p>
@@ -8109,7 +8109,7 @@
           <a:p>
             <a:fld id="{2E405B87-0B1C-464B-928F-AA5E9D282D70}" type="datetimeFigureOut">
               <a:rPr lang="en-US" smtClean="0"/>
-              <a:t>1/23/26</a:t>
+              <a:t>2/2/26</a:t>
             </a:fld>
             <a:endParaRPr lang="en-US"/>
           </a:p>
@@ -8803,7 +8803,7 @@
           <a:p>
             <a:fld id="{2E405B87-0B1C-464B-928F-AA5E9D282D70}" type="datetimeFigureOut">
               <a:rPr lang="en-US" smtClean="0"/>
-              <a:t>1/23/26</a:t>
+              <a:t>2/2/26</a:t>
             </a:fld>
             <a:endParaRPr lang="en-US"/>
           </a:p>
@@ -9211,7 +9211,7 @@
           <a:p>
             <a:fld id="{2E405B87-0B1C-464B-928F-AA5E9D282D70}" type="datetimeFigureOut">
               <a:rPr lang="en-US" smtClean="0"/>
-              <a:t>1/23/26</a:t>
+              <a:t>2/2/26</a:t>
             </a:fld>
             <a:endParaRPr lang="en-US"/>
           </a:p>
@@ -9422,7 +9422,7 @@
           <a:p>
             <a:fld id="{2E405B87-0B1C-464B-928F-AA5E9D282D70}" type="datetimeFigureOut">
               <a:rPr lang="en-US" smtClean="0"/>
-              <a:t>1/23/26</a:t>
+              <a:t>2/2/26</a:t>
             </a:fld>
             <a:endParaRPr lang="en-US"/>
           </a:p>
@@ -10006,7 +10006,7 @@
           <a:p>
             <a:fld id="{2E405B87-0B1C-464B-928F-AA5E9D282D70}" type="datetimeFigureOut">
               <a:rPr lang="en-US" smtClean="0"/>
-              <a:t>1/23/26</a:t>
+              <a:t>2/2/26</a:t>
             </a:fld>
             <a:endParaRPr lang="en-US"/>
           </a:p>
@@ -10590,7 +10590,7 @@
           <a:p>
             <a:fld id="{2E405B87-0B1C-464B-928F-AA5E9D282D70}" type="datetimeFigureOut">
               <a:rPr lang="en-US" smtClean="0"/>
-              <a:t>1/23/26</a:t>
+              <a:t>2/2/26</a:t>
             </a:fld>
             <a:endParaRPr lang="en-US"/>
           </a:p>
@@ -11174,7 +11174,7 @@
           <a:p>
             <a:fld id="{2E405B87-0B1C-464B-928F-AA5E9D282D70}" type="datetimeFigureOut">
               <a:rPr lang="en-US" smtClean="0"/>
-              <a:t>1/23/26</a:t>
+              <a:t>2/2/26</a:t>
             </a:fld>
             <a:endParaRPr lang="en-US"/>
           </a:p>
@@ -11758,7 +11758,7 @@
           <a:p>
             <a:fld id="{2E405B87-0B1C-464B-928F-AA5E9D282D70}" type="datetimeFigureOut">
               <a:rPr lang="en-US" smtClean="0"/>
-              <a:t>1/23/26</a:t>
+              <a:t>2/2/26</a:t>
             </a:fld>
             <a:endParaRPr lang="en-US"/>
           </a:p>
@@ -12342,7 +12342,7 @@
           <a:p>
             <a:fld id="{2E405B87-0B1C-464B-928F-AA5E9D282D70}" type="datetimeFigureOut">
               <a:rPr lang="en-US" smtClean="0"/>
-              <a:t>1/23/26</a:t>
+              <a:t>2/2/26</a:t>
             </a:fld>
             <a:endParaRPr lang="en-US"/>
           </a:p>
@@ -12926,7 +12926,7 @@
           <a:p>
             <a:fld id="{2E405B87-0B1C-464B-928F-AA5E9D282D70}" type="datetimeFigureOut">
               <a:rPr lang="en-US" smtClean="0"/>
-              <a:t>1/23/26</a:t>
+              <a:t>2/2/26</a:t>
             </a:fld>
             <a:endParaRPr lang="en-US"/>
           </a:p>
@@ -13510,7 +13510,7 @@
           <a:p>
             <a:fld id="{2E405B87-0B1C-464B-928F-AA5E9D282D70}" type="datetimeFigureOut">
               <a:rPr lang="en-US" smtClean="0"/>
-              <a:t>1/23/26</a:t>
+              <a:t>2/2/26</a:t>
             </a:fld>
             <a:endParaRPr lang="en-US"/>
           </a:p>
@@ -14096,7 +14096,7 @@
           <a:p>
             <a:fld id="{2E405B87-0B1C-464B-928F-AA5E9D282D70}" type="datetimeFigureOut">
               <a:rPr lang="en-US" smtClean="0"/>
-              <a:t>1/23/26</a:t>
+              <a:t>2/2/26</a:t>
             </a:fld>
             <a:endParaRPr lang="en-US"/>
           </a:p>
@@ -14680,7 +14680,7 @@
           <a:p>
             <a:fld id="{2E405B87-0B1C-464B-928F-AA5E9D282D70}" type="datetimeFigureOut">
               <a:rPr lang="en-US" smtClean="0"/>
-              <a:t>1/23/26</a:t>
+              <a:t>2/2/26</a:t>
             </a:fld>
             <a:endParaRPr lang="en-US"/>
           </a:p>
@@ -15264,7 +15264,7 @@
           <a:p>
             <a:fld id="{2E405B87-0B1C-464B-928F-AA5E9D282D70}" type="datetimeFigureOut">
               <a:rPr lang="en-US" smtClean="0"/>
-              <a:t>1/23/26</a:t>
+              <a:t>2/2/26</a:t>
             </a:fld>
             <a:endParaRPr lang="en-US"/>
           </a:p>
@@ -15848,7 +15848,7 @@
           <a:p>
             <a:fld id="{2E405B87-0B1C-464B-928F-AA5E9D282D70}" type="datetimeFigureOut">
               <a:rPr lang="en-US" smtClean="0"/>
-              <a:t>1/23/26</a:t>
+              <a:t>2/2/26</a:t>
             </a:fld>
             <a:endParaRPr lang="en-US"/>
           </a:p>
@@ -16432,7 +16432,7 @@
           <a:p>
             <a:fld id="{2E405B87-0B1C-464B-928F-AA5E9D282D70}" type="datetimeFigureOut">
               <a:rPr lang="en-US" smtClean="0"/>
-              <a:t>1/23/26</a:t>
+              <a:t>2/2/26</a:t>
             </a:fld>
             <a:endParaRPr lang="en-US"/>
           </a:p>
@@ -17016,7 +17016,7 @@
           <a:p>
             <a:fld id="{2E405B87-0B1C-464B-928F-AA5E9D282D70}" type="datetimeFigureOut">
               <a:rPr lang="en-US" smtClean="0"/>
-              <a:t>1/23/26</a:t>
+              <a:t>2/2/26</a:t>
             </a:fld>
             <a:endParaRPr lang="en-US"/>
           </a:p>
@@ -17600,7 +17600,7 @@
           <a:p>
             <a:fld id="{2E405B87-0B1C-464B-928F-AA5E9D282D70}" type="datetimeFigureOut">
               <a:rPr lang="en-US" smtClean="0"/>
-              <a:t>1/23/26</a:t>
+              <a:t>2/2/26</a:t>
             </a:fld>
             <a:endParaRPr lang="en-US"/>
           </a:p>
@@ -18184,7 +18184,7 @@
           <a:p>
             <a:fld id="{2E405B87-0B1C-464B-928F-AA5E9D282D70}" type="datetimeFigureOut">
               <a:rPr lang="en-US" smtClean="0"/>
-              <a:t>1/23/26</a:t>
+              <a:t>2/2/26</a:t>
             </a:fld>
             <a:endParaRPr lang="en-US"/>
           </a:p>
@@ -18932,11 +18932,68 @@
               </a:lnSpc>
             </a:pPr>
             <a:r>
-              <a:rPr lang="en-US"/>
-              <a:t>Garantert rekkefølge
-Akkurat-én-gangs levering
-Ideell for oppgaver der rekkefølge er viktig</a:t>
-            </a:r>
+              <a:rPr lang="en-US" dirty="0" err="1"/>
+              <a:t>Garantert</a:t>
+            </a:r>
+            <a:r>
+              <a:rPr lang="en-US" dirty="0"/>
+              <a:t> </a:t>
+            </a:r>
+            <a:r>
+              <a:rPr lang="en-US" dirty="0" err="1"/>
+              <a:t>rekkefølge</a:t>
+            </a:r>
+            <a:r>
+              <a:rPr lang="en-US" dirty="0"/>
+              <a:t>
+</a:t>
+            </a:r>
+            <a:r>
+              <a:rPr lang="en-US" dirty="0" err="1"/>
+              <a:t>Akkurat</a:t>
+            </a:r>
+            <a:r>
+              <a:rPr lang="en-US" dirty="0"/>
+              <a:t>-</a:t>
+            </a:r>
+            <a:r>
+              <a:rPr lang="en-US" dirty="0" err="1"/>
+              <a:t>én</a:t>
+            </a:r>
+            <a:r>
+              <a:rPr lang="en-US" dirty="0"/>
+              <a:t>-gangs levering
+</a:t>
+            </a:r>
+            <a:r>
+              <a:rPr lang="en-US" dirty="0" err="1"/>
+              <a:t>Ideell</a:t>
+            </a:r>
+            <a:r>
+              <a:rPr lang="en-US" dirty="0"/>
+              <a:t> for </a:t>
+            </a:r>
+            <a:r>
+              <a:rPr lang="en-US" dirty="0" err="1"/>
+              <a:t>oppgaver</a:t>
+            </a:r>
+            <a:r>
+              <a:rPr lang="en-US" dirty="0"/>
+              <a:t> der </a:t>
+            </a:r>
+            <a:r>
+              <a:rPr lang="en-US" dirty="0" err="1"/>
+              <a:t>rekkefølge</a:t>
+            </a:r>
+            <a:r>
+              <a:rPr lang="en-US" dirty="0"/>
+              <a:t> er </a:t>
+            </a:r>
+            <a:r>
+              <a:rPr lang="en-US" dirty="0" err="1"/>
+              <a:t>viktig</a:t>
+            </a:r>
+            <a:endParaRPr lang="en-US" dirty="0"/>
           </a:p>
         </p:txBody>
       </p:sp>
@@ -19142,9 +19199,18 @@
           <a:lstStyle/>
           <a:p>
             <a:r>
-              <a:rPr lang="en-US"/>
-              <a:t>Hvordan SQS fungerer</a:t>
-            </a:r>
+              <a:rPr lang="en-US" dirty="0" err="1"/>
+              <a:t>Hvordan</a:t>
+            </a:r>
+            <a:r>
+              <a:rPr lang="en-US" dirty="0"/>
+              <a:t> SQS </a:t>
+            </a:r>
+            <a:r>
+              <a:rPr lang="en-US" dirty="0" err="1"/>
+              <a:t>fungerer</a:t>
+            </a:r>
+            <a:endParaRPr lang="en-US" dirty="0"/>
           </a:p>
         </p:txBody>
       </p:sp>
@@ -19350,8 +19416,60 @@
               <a:buNone/>
             </a:pPr>
             <a:r>
-              <a:rPr lang="en-US" sz="1400"/>
-              <a:t>ReceiveMessage er essensielt for å hente meldinger fra køen.</a:t>
+              <a:rPr lang="en-US" sz="1400" dirty="0" err="1"/>
+              <a:t>ReceiveMessage</a:t>
+            </a:r>
+            <a:r>
+              <a:rPr lang="en-US" sz="1400" dirty="0"/>
+              <a:t> er </a:t>
+            </a:r>
+            <a:r>
+              <a:rPr lang="en-US" sz="1400" dirty="0" err="1"/>
+              <a:t>essensielt</a:t>
+            </a:r>
+            <a:r>
+              <a:rPr lang="en-US" sz="1400" dirty="0"/>
+              <a:t> for </a:t>
+            </a:r>
+            <a:r>
+              <a:rPr lang="en-US" sz="1400" dirty="0" err="1"/>
+              <a:t>å</a:t>
+            </a:r>
+            <a:r>
+              <a:rPr lang="en-US" sz="1400" dirty="0"/>
+              <a:t> </a:t>
+            </a:r>
+            <a:r>
+              <a:rPr lang="en-US" sz="1400" dirty="0" err="1"/>
+              <a:t>hente</a:t>
+            </a:r>
+            <a:r>
+              <a:rPr lang="en-US" sz="1400" dirty="0"/>
+              <a:t> </a:t>
+            </a:r>
+            <a:r>
+              <a:rPr lang="en-US" sz="1400" dirty="0" err="1"/>
+              <a:t>meldinger</a:t>
+            </a:r>
+            <a:r>
+              <a:rPr lang="en-US" sz="1400" dirty="0"/>
+              <a:t> </a:t>
+            </a:r>
+            <a:r>
+              <a:rPr lang="en-US" sz="1400" dirty="0" err="1"/>
+              <a:t>fra</a:t>
+            </a:r>
+            <a:r>
+              <a:rPr lang="en-US" sz="1400" dirty="0"/>
+              <a:t> </a:t>
+            </a:r>
+            <a:r>
+              <a:rPr lang="en-US" sz="1400" dirty="0" err="1"/>
+              <a:t>køen</a:t>
+            </a:r>
+            <a:r>
+              <a:rPr lang="en-US" sz="1400" dirty="0"/>
+              <a:t>.</a:t>
             </a:r>
           </a:p>
         </p:txBody>
@@ -19394,8 +19512,60 @@
               <a:buNone/>
             </a:pPr>
             <a:r>
-              <a:rPr lang="en-US" sz="1400"/>
-              <a:t>DeleteMessage brukes for å slette meldinger etter at de er behandlet.</a:t>
+              <a:rPr lang="en-US" sz="1400" dirty="0" err="1"/>
+              <a:t>DeleteMessage</a:t>
+            </a:r>
+            <a:r>
+              <a:rPr lang="en-US" sz="1400" dirty="0"/>
+              <a:t> </a:t>
+            </a:r>
+            <a:r>
+              <a:rPr lang="en-US" sz="1400" dirty="0" err="1"/>
+              <a:t>brukes</a:t>
+            </a:r>
+            <a:r>
+              <a:rPr lang="en-US" sz="1400" dirty="0"/>
+              <a:t> for </a:t>
+            </a:r>
+            <a:r>
+              <a:rPr lang="en-US" sz="1400" dirty="0" err="1"/>
+              <a:t>å</a:t>
+            </a:r>
+            <a:r>
+              <a:rPr lang="en-US" sz="1400" dirty="0"/>
+              <a:t> </a:t>
+            </a:r>
+            <a:r>
+              <a:rPr lang="en-US" sz="1400" dirty="0" err="1"/>
+              <a:t>slette</a:t>
+            </a:r>
+            <a:r>
+              <a:rPr lang="en-US" sz="1400" dirty="0"/>
+              <a:t> </a:t>
+            </a:r>
+            <a:r>
+              <a:rPr lang="en-US" sz="1400" dirty="0" err="1"/>
+              <a:t>meldinger</a:t>
+            </a:r>
+            <a:r>
+              <a:rPr lang="en-US" sz="1400" dirty="0"/>
+              <a:t> </a:t>
+            </a:r>
+            <a:r>
+              <a:rPr lang="en-US" sz="1400" dirty="0" err="1"/>
+              <a:t>etter</a:t>
+            </a:r>
+            <a:r>
+              <a:rPr lang="en-US" sz="1400" dirty="0"/>
+              <a:t> at de er </a:t>
+            </a:r>
+            <a:r>
+              <a:rPr lang="en-US" sz="1400" dirty="0" err="1"/>
+              <a:t>behandlet</a:t>
+            </a:r>
+            <a:r>
+              <a:rPr lang="en-US" sz="1400" dirty="0"/>
+              <a:t>.</a:t>
             </a:r>
           </a:p>
         </p:txBody>
@@ -19432,9 +19602,10 @@
           <a:lstStyle/>
           <a:p>
             <a:r>
-              <a:rPr lang="en-US" sz="1800" b="0"/>
+              <a:rPr lang="en-US" sz="1800" b="0" dirty="0" err="1"/>
               <a:t>ReceiveMessage</a:t>
             </a:r>
+            <a:endParaRPr lang="en-US" sz="1800" b="0" dirty="0"/>
           </a:p>
         </p:txBody>
       </p:sp>
@@ -21280,10 +21451,170 @@
               </a:buClr>
             </a:pPr>
             <a:r>
-              <a:rPr lang="en-US" sz="1500"/>
-              <a:t>SQS håndterer kømeldinger asynkront, noe som sikrer robust databehandling.
-Lambda prosesserer meldinger fra SQS uten å blokkere ressurser.
-Sammen skaper de en skalerbar og pålitelig arkitektur.</a:t>
+              <a:rPr lang="en-US" sz="1500" dirty="0"/>
+              <a:t>SQS </a:t>
+            </a:r>
+            <a:r>
+              <a:rPr lang="en-US" sz="1500" dirty="0" err="1"/>
+              <a:t>håndterer</a:t>
+            </a:r>
+            <a:r>
+              <a:rPr lang="en-US" sz="1500" dirty="0"/>
+              <a:t> </a:t>
+            </a:r>
+            <a:r>
+              <a:rPr lang="en-US" sz="1500" dirty="0" err="1"/>
+              <a:t>kømeldinger</a:t>
+            </a:r>
+            <a:r>
+              <a:rPr lang="en-US" sz="1500" dirty="0"/>
+              <a:t> </a:t>
+            </a:r>
+            <a:r>
+              <a:rPr lang="en-US" sz="1500" dirty="0" err="1"/>
+              <a:t>asynkront</a:t>
+            </a:r>
+            <a:r>
+              <a:rPr lang="en-US" sz="1500" dirty="0"/>
+              <a:t>, </a:t>
+            </a:r>
+            <a:r>
+              <a:rPr lang="en-US" sz="1500" dirty="0" err="1"/>
+              <a:t>noe</a:t>
+            </a:r>
+            <a:r>
+              <a:rPr lang="en-US" sz="1500" dirty="0"/>
+              <a:t> </a:t>
+            </a:r>
+            <a:r>
+              <a:rPr lang="en-US" sz="1500" dirty="0" err="1"/>
+              <a:t>som</a:t>
+            </a:r>
+            <a:r>
+              <a:rPr lang="en-US" sz="1500" dirty="0"/>
+              <a:t> </a:t>
+            </a:r>
+            <a:r>
+              <a:rPr lang="en-US" sz="1500" dirty="0" err="1"/>
+              <a:t>sikrer</a:t>
+            </a:r>
+            <a:r>
+              <a:rPr lang="en-US" sz="1500" dirty="0"/>
+              <a:t> robust </a:t>
+            </a:r>
+            <a:r>
+              <a:rPr lang="en-US" sz="1500" dirty="0" err="1"/>
+              <a:t>databehandling</a:t>
+            </a:r>
+            <a:r>
+              <a:rPr lang="en-US" sz="1500" dirty="0"/>
+              <a:t>.
+Lambda </a:t>
+            </a:r>
+            <a:r>
+              <a:rPr lang="en-US" sz="1500" dirty="0" err="1"/>
+              <a:t>prosesserer</a:t>
+            </a:r>
+            <a:r>
+              <a:rPr lang="en-US" sz="1500" dirty="0"/>
+              <a:t> </a:t>
+            </a:r>
+            <a:r>
+              <a:rPr lang="en-US" sz="1500" dirty="0" err="1"/>
+              <a:t>meldinger</a:t>
+            </a:r>
+            <a:r>
+              <a:rPr lang="en-US" sz="1500" dirty="0"/>
+              <a:t> </a:t>
+            </a:r>
+            <a:r>
+              <a:rPr lang="en-US" sz="1500" dirty="0" err="1"/>
+              <a:t>fra</a:t>
+            </a:r>
+            <a:r>
+              <a:rPr lang="en-US" sz="1500" dirty="0"/>
+              <a:t> SQS </a:t>
+            </a:r>
+            <a:r>
+              <a:rPr lang="en-US" sz="1500" dirty="0" err="1"/>
+              <a:t>uten</a:t>
+            </a:r>
+            <a:r>
+              <a:rPr lang="en-US" sz="1500" dirty="0"/>
+              <a:t> </a:t>
+            </a:r>
+            <a:r>
+              <a:rPr lang="en-US" sz="1500" dirty="0" err="1"/>
+              <a:t>å</a:t>
+            </a:r>
+            <a:r>
+              <a:rPr lang="en-US" sz="1500" dirty="0"/>
+              <a:t> </a:t>
+            </a:r>
+            <a:r>
+              <a:rPr lang="en-US" sz="1500" dirty="0" err="1"/>
+              <a:t>blokkere</a:t>
+            </a:r>
+            <a:r>
+              <a:rPr lang="en-US" sz="1500" dirty="0"/>
+              <a:t> </a:t>
+            </a:r>
+            <a:r>
+              <a:rPr lang="en-US" sz="1500" dirty="0" err="1"/>
+              <a:t>ressurser</a:t>
+            </a:r>
+            <a:r>
+              <a:rPr lang="en-US" sz="1500" dirty="0"/>
+              <a:t>.
+Sammen </a:t>
+            </a:r>
+            <a:r>
+              <a:rPr lang="en-US" sz="1500" dirty="0" err="1"/>
+              <a:t>skaper</a:t>
+            </a:r>
+            <a:r>
+              <a:rPr lang="en-US" sz="1500" dirty="0"/>
+              <a:t> de </a:t>
+            </a:r>
+            <a:r>
+              <a:rPr lang="en-US" sz="1500" dirty="0" err="1"/>
+              <a:t>en</a:t>
+            </a:r>
+            <a:r>
+              <a:rPr lang="en-US" sz="1500" dirty="0"/>
+              <a:t> </a:t>
+            </a:r>
+            <a:r>
+              <a:rPr lang="en-US" sz="1500" dirty="0" err="1"/>
+              <a:t>skalerbar</a:t>
+            </a:r>
+            <a:r>
+              <a:rPr lang="en-US" sz="1500" dirty="0"/>
+              <a:t> </a:t>
+            </a:r>
+            <a:r>
+              <a:rPr lang="en-US" sz="1500" dirty="0" err="1"/>
+              <a:t>og</a:t>
+            </a:r>
+            <a:r>
+              <a:rPr lang="en-US" sz="1500" dirty="0"/>
+              <a:t> </a:t>
+            </a:r>
+            <a:r>
+              <a:rPr lang="en-US" sz="1500" dirty="0" err="1"/>
+              <a:t>pålitelig</a:t>
+            </a:r>
+            <a:r>
+              <a:rPr lang="en-US" sz="1500" dirty="0"/>
+              <a:t> </a:t>
+            </a:r>
+            <a:r>
+              <a:rPr lang="en-US" sz="1500" dirty="0" err="1"/>
+              <a:t>arkitektur</a:t>
+            </a:r>
+            <a:r>
+              <a:rPr lang="en-US" sz="1500" dirty="0"/>
+              <a:t>.</a:t>
             </a:r>
           </a:p>
         </p:txBody>
@@ -22137,16 +22468,160 @@
               <a:buNone/>
             </a:pPr>
             <a:r>
-              <a:rPr lang="en-US" sz="1400">
+              <a:rPr lang="en-US" sz="1400" dirty="0">
                 <a:solidFill>
                   <a:schemeClr val="accent1"/>
                 </a:solidFill>
                 <a:latin typeface="+mn-lt"/>
               </a:rPr>
-              <a:t>SNS-varsler
-SQS-kø for ordredetaljer
-Lambda-funksjon for ordreprosessering og lageroppdatering
-Bekreftelses-e-post</a:t>
+              <a:t>SNS-</a:t>
+            </a:r>
+            <a:r>
+              <a:rPr lang="en-US" sz="1400" dirty="0" err="1">
+                <a:solidFill>
+                  <a:schemeClr val="accent1"/>
+                </a:solidFill>
+                <a:latin typeface="+mn-lt"/>
+              </a:rPr>
+              <a:t>varsler</a:t>
+            </a:r>
+            <a:r>
+              <a:rPr lang="en-US" sz="1400" dirty="0">
+                <a:solidFill>
+                  <a:schemeClr val="accent1"/>
+                </a:solidFill>
+                <a:latin typeface="+mn-lt"/>
+              </a:rPr>
+              <a:t>
+SQS-</a:t>
+            </a:r>
+            <a:r>
+              <a:rPr lang="en-US" sz="1400" dirty="0" err="1">
+                <a:solidFill>
+                  <a:schemeClr val="accent1"/>
+                </a:solidFill>
+                <a:latin typeface="+mn-lt"/>
+              </a:rPr>
+              <a:t>kø</a:t>
+            </a:r>
+            <a:r>
+              <a:rPr lang="en-US" sz="1400" dirty="0">
+                <a:solidFill>
+                  <a:schemeClr val="accent1"/>
+                </a:solidFill>
+                <a:latin typeface="+mn-lt"/>
+              </a:rPr>
+              <a:t> for </a:t>
+            </a:r>
+            <a:r>
+              <a:rPr lang="en-US" sz="1400" dirty="0" err="1">
+                <a:solidFill>
+                  <a:schemeClr val="accent1"/>
+                </a:solidFill>
+                <a:latin typeface="+mn-lt"/>
+              </a:rPr>
+              <a:t>ordredetaljer</a:t>
+            </a:r>
+            <a:r>
+              <a:rPr lang="en-US" sz="1400" dirty="0">
+                <a:solidFill>
+                  <a:schemeClr val="accent1"/>
+                </a:solidFill>
+                <a:latin typeface="+mn-lt"/>
+              </a:rPr>
+              <a:t>
+Lambda-</a:t>
+            </a:r>
+            <a:r>
+              <a:rPr lang="en-US" sz="1400" dirty="0" err="1">
+                <a:solidFill>
+                  <a:schemeClr val="accent1"/>
+                </a:solidFill>
+                <a:latin typeface="+mn-lt"/>
+              </a:rPr>
+              <a:t>funksjon</a:t>
+            </a:r>
+            <a:r>
+              <a:rPr lang="en-US" sz="1400" dirty="0">
+                <a:solidFill>
+                  <a:schemeClr val="accent1"/>
+                </a:solidFill>
+                <a:latin typeface="+mn-lt"/>
+              </a:rPr>
+              <a:t> for </a:t>
+            </a:r>
+            <a:r>
+              <a:rPr lang="en-US" sz="1400" dirty="0" err="1">
+                <a:solidFill>
+                  <a:schemeClr val="accent1"/>
+                </a:solidFill>
+                <a:latin typeface="+mn-lt"/>
+              </a:rPr>
+              <a:t>ordreprosessering</a:t>
+            </a:r>
+            <a:r>
+              <a:rPr lang="en-US" sz="1400" dirty="0">
+                <a:solidFill>
+                  <a:schemeClr val="accent1"/>
+                </a:solidFill>
+                <a:latin typeface="+mn-lt"/>
+              </a:rPr>
+              <a:t> </a:t>
+            </a:r>
+            <a:r>
+              <a:rPr lang="en-US" sz="1400" dirty="0" err="1">
+                <a:solidFill>
+                  <a:schemeClr val="accent1"/>
+                </a:solidFill>
+                <a:latin typeface="+mn-lt"/>
+              </a:rPr>
+              <a:t>og</a:t>
+            </a:r>
+            <a:r>
+              <a:rPr lang="en-US" sz="1400" dirty="0">
+                <a:solidFill>
+                  <a:schemeClr val="accent1"/>
+                </a:solidFill>
+                <a:latin typeface="+mn-lt"/>
+              </a:rPr>
+              <a:t> </a:t>
+            </a:r>
+            <a:r>
+              <a:rPr lang="en-US" sz="1400" dirty="0" err="1">
+                <a:solidFill>
+                  <a:schemeClr val="accent1"/>
+                </a:solidFill>
+                <a:latin typeface="+mn-lt"/>
+              </a:rPr>
+              <a:t>lageroppdatering</a:t>
+            </a:r>
+            <a:r>
+              <a:rPr lang="en-US" sz="1400" dirty="0">
+                <a:solidFill>
+                  <a:schemeClr val="accent1"/>
+                </a:solidFill>
+                <a:latin typeface="+mn-lt"/>
+              </a:rPr>
+              <a:t>
+</a:t>
+            </a:r>
+            <a:r>
+              <a:rPr lang="en-US" sz="1400" dirty="0" err="1">
+                <a:solidFill>
+                  <a:schemeClr val="accent1"/>
+                </a:solidFill>
+                <a:latin typeface="+mn-lt"/>
+              </a:rPr>
+              <a:t>Bekreftelses</a:t>
+            </a:r>
+            <a:r>
+              <a:rPr lang="en-US" sz="1400" dirty="0">
+                <a:solidFill>
+                  <a:schemeClr val="accent1"/>
+                </a:solidFill>
+                <a:latin typeface="+mn-lt"/>
+              </a:rPr>
+              <a:t>-e-post</a:t>
             </a:r>
           </a:p>
         </p:txBody>
@@ -23734,7 +24209,7 @@
         </p:nvSpPr>
         <p:spPr>
           <a:xfrm>
-            <a:off x="-177" y="-1"/>
+            <a:off x="0" y="0"/>
             <a:ext cx="4045052" cy="6858000"/>
           </a:xfrm>
           <a:prstGeom prst="rect">
@@ -24212,11 +24687,26 @@
               </a:lnSpc>
             </a:pPr>
             <a:r>
-              <a:rPr lang="en-US" sz="1500" b="0">
+              <a:rPr lang="en-US" sz="1500" b="0" dirty="0" err="1">
                 <a:latin typeface="+mj-lt"/>
               </a:rPr>
-              <a:t>Designe for feiltoleranse</a:t>
-            </a:r>
+              <a:t>Designe</a:t>
+            </a:r>
+            <a:r>
+              <a:rPr lang="en-US" sz="1500" b="0" dirty="0">
+                <a:latin typeface="+mj-lt"/>
+              </a:rPr>
+              <a:t> for </a:t>
+            </a:r>
+            <a:r>
+              <a:rPr lang="en-US" sz="1500" b="0" dirty="0" err="1">
+                <a:latin typeface="+mj-lt"/>
+              </a:rPr>
+              <a:t>feiltoleranse</a:t>
+            </a:r>
+            <a:endParaRPr lang="en-US" sz="1500" b="0" dirty="0">
+              <a:latin typeface="+mj-lt"/>
+            </a:endParaRPr>
           </a:p>
         </p:txBody>
       </p:sp>
@@ -26092,56 +26582,6 @@
           </a:prstGeom>
         </p:spPr>
       </p:pic>
-      <p:sp>
-        <p:nvSpPr>
-          <p:cNvPr id="14" name="Text Placeholder 13">
-            <a:extLst>
-              <a:ext uri="{FF2B5EF4-FFF2-40B4-BE49-F238E27FC236}">
-                <a16:creationId xmlns:a16="http://schemas.microsoft.com/office/drawing/2014/main" id="{CF63B2A1-FE7C-9F69-310E-8035EECD7761}"/>
-              </a:ext>
-            </a:extLst>
-          </p:cNvPr>
-          <p:cNvSpPr>
-            <a:spLocks noGrp="1"/>
-          </p:cNvSpPr>
-          <p:nvPr>
-            <p:ph type="body" sz="quarter" idx="3"/>
-          </p:nvPr>
-        </p:nvSpPr>
-        <p:spPr/>
-        <p:txBody>
-          <a:bodyPr/>
-          <a:lstStyle/>
-          <a:p>
-            <a:endParaRPr lang="nb-NO"/>
-          </a:p>
-        </p:txBody>
-      </p:sp>
-      <p:sp>
-        <p:nvSpPr>
-          <p:cNvPr id="16" name="Content Placeholder 15">
-            <a:extLst>
-              <a:ext uri="{FF2B5EF4-FFF2-40B4-BE49-F238E27FC236}">
-                <a16:creationId xmlns:a16="http://schemas.microsoft.com/office/drawing/2014/main" id="{8383A58C-99C2-5EF9-8C0B-525585964F70}"/>
-              </a:ext>
-            </a:extLst>
-          </p:cNvPr>
-          <p:cNvSpPr>
-            <a:spLocks noGrp="1"/>
-          </p:cNvSpPr>
-          <p:nvPr>
-            <p:ph sz="quarter" idx="4"/>
-          </p:nvPr>
-        </p:nvSpPr>
-        <p:spPr/>
-        <p:txBody>
-          <a:bodyPr/>
-          <a:lstStyle/>
-          <a:p>
-            <a:endParaRPr lang="nb-NO"/>
-          </a:p>
-        </p:txBody>
-      </p:sp>
     </p:spTree>
     <p:extLst>
       <p:ext uri="{BB962C8B-B14F-4D97-AF65-F5344CB8AC3E}">
@@ -27001,10 +27441,138 @@
               <a:buChar char="•"/>
             </a:pPr>
             <a:r>
-              <a:rPr lang="en-US" sz="1400"/>
-              <a:t>Pub/Sub-modellen tillater en til mange-meldinger.
-Produsenter sender meldinger til emner.
-Abonnenter mottar meldinger fra emner de er registrert på.</a:t>
+              <a:rPr lang="en-US" sz="1400" dirty="0"/>
+              <a:t>Pub/Sub-</a:t>
+            </a:r>
+            <a:r>
+              <a:rPr lang="en-US" sz="1400" dirty="0" err="1"/>
+              <a:t>modellen</a:t>
+            </a:r>
+            <a:r>
+              <a:rPr lang="en-US" sz="1400" dirty="0"/>
+              <a:t> </a:t>
+            </a:r>
+            <a:r>
+              <a:rPr lang="en-US" sz="1400" dirty="0" err="1"/>
+              <a:t>tillater</a:t>
+            </a:r>
+            <a:r>
+              <a:rPr lang="en-US" sz="1400" dirty="0"/>
+              <a:t> </a:t>
+            </a:r>
+            <a:r>
+              <a:rPr lang="en-US" sz="1400" dirty="0" err="1"/>
+              <a:t>en</a:t>
+            </a:r>
+            <a:r>
+              <a:rPr lang="en-US" sz="1400" dirty="0"/>
+              <a:t> </a:t>
+            </a:r>
+            <a:r>
+              <a:rPr lang="en-US" sz="1400" dirty="0" err="1"/>
+              <a:t>til</a:t>
+            </a:r>
+            <a:r>
+              <a:rPr lang="en-US" sz="1400" dirty="0"/>
+              <a:t> mange-</a:t>
+            </a:r>
+            <a:r>
+              <a:rPr lang="en-US" sz="1400" dirty="0" err="1"/>
+              <a:t>meldinger</a:t>
+            </a:r>
+            <a:r>
+              <a:rPr lang="en-US" sz="1400" dirty="0"/>
+              <a:t>.
+</a:t>
+            </a:r>
+            <a:r>
+              <a:rPr lang="en-US" sz="1400" dirty="0" err="1"/>
+              <a:t>Produsenter</a:t>
+            </a:r>
+            <a:r>
+              <a:rPr lang="en-US" sz="1400" dirty="0"/>
+              <a:t> sender </a:t>
+            </a:r>
+            <a:r>
+              <a:rPr lang="en-US" sz="1400" dirty="0" err="1"/>
+              <a:t>meldinger</a:t>
+            </a:r>
+            <a:r>
+              <a:rPr lang="en-US" sz="1400" dirty="0"/>
+              <a:t> </a:t>
+            </a:r>
+            <a:r>
+              <a:rPr lang="en-US" sz="1400" dirty="0" err="1"/>
+              <a:t>til</a:t>
+            </a:r>
+            <a:r>
+              <a:rPr lang="en-US" sz="1400" dirty="0"/>
+              <a:t> </a:t>
+            </a:r>
+            <a:r>
+              <a:rPr lang="en-US" sz="1400" dirty="0" err="1"/>
+              <a:t>emner</a:t>
+            </a:r>
+            <a:r>
+              <a:rPr lang="en-US" sz="1400" dirty="0"/>
+              <a:t>.
+</a:t>
+            </a:r>
+            <a:r>
+              <a:rPr lang="en-US" sz="1400" dirty="0" err="1"/>
+              <a:t>Abonnenter</a:t>
+            </a:r>
+            <a:r>
+              <a:rPr lang="en-US" sz="1400" dirty="0"/>
+              <a:t> </a:t>
+            </a:r>
+            <a:r>
+              <a:rPr lang="en-US" sz="1400" dirty="0" err="1"/>
+              <a:t>mottar</a:t>
+            </a:r>
+            <a:r>
+              <a:rPr lang="en-US" sz="1400" dirty="0"/>
+              <a:t> </a:t>
+            </a:r>
+            <a:r>
+              <a:rPr lang="en-US" sz="1400" dirty="0" err="1"/>
+              <a:t>meldinger</a:t>
+            </a:r>
+            <a:r>
+              <a:rPr lang="en-US" sz="1400" dirty="0"/>
+              <a:t> </a:t>
+            </a:r>
+            <a:r>
+              <a:rPr lang="en-US" sz="1400" dirty="0" err="1"/>
+              <a:t>fra</a:t>
+            </a:r>
+            <a:r>
+              <a:rPr lang="en-US" sz="1400" dirty="0"/>
+              <a:t> </a:t>
+            </a:r>
+            <a:r>
+              <a:rPr lang="en-US" sz="1400" dirty="0" err="1"/>
+              <a:t>emner</a:t>
+            </a:r>
+            <a:r>
+              <a:rPr lang="en-US" sz="1400" dirty="0"/>
+              <a:t> de er </a:t>
+            </a:r>
+            <a:r>
+              <a:rPr lang="en-US" sz="1400" dirty="0" err="1"/>
+              <a:t>registrert</a:t>
+            </a:r>
+            <a:r>
+              <a:rPr lang="en-US" sz="1400" dirty="0"/>
+              <a:t> </a:t>
+            </a:r>
+            <a:r>
+              <a:rPr lang="en-US" sz="1400" dirty="0" err="1"/>
+              <a:t>på</a:t>
+            </a:r>
+            <a:r>
+              <a:rPr lang="en-US" sz="1400" dirty="0"/>
+              <a:t>.</a:t>
             </a:r>
           </a:p>
         </p:txBody>
@@ -28466,8 +29034,64 @@
               <a:buNone/>
             </a:pPr>
             <a:r>
-              <a:rPr lang="en-US" sz="1400"/>
-              <a:t>Amazon SQS er en købasert meldingsservice som tillater asynkron kommunikasjon.</a:t>
+              <a:rPr lang="en-US" sz="1400" dirty="0"/>
+              <a:t>Amazon SQS er </a:t>
+            </a:r>
+            <a:r>
+              <a:rPr lang="en-US" sz="1400" dirty="0" err="1"/>
+              <a:t>en</a:t>
+            </a:r>
+            <a:r>
+              <a:rPr lang="en-US" sz="1400" dirty="0"/>
+              <a:t> </a:t>
+            </a:r>
+            <a:r>
+              <a:rPr lang="en-US" sz="1400" dirty="0" err="1"/>
+              <a:t>købasert</a:t>
+            </a:r>
+            <a:r>
+              <a:rPr lang="en-US" sz="1400" dirty="0"/>
+              <a:t> </a:t>
+            </a:r>
+            <a:r>
+              <a:rPr lang="en-US" sz="1400" dirty="0" err="1"/>
+              <a:t>meldingsservice</a:t>
+            </a:r>
+            <a:r>
+              <a:rPr lang="en-US" sz="1400" dirty="0"/>
+              <a:t> </a:t>
+            </a:r>
+            <a:r>
+              <a:rPr lang="en-US" sz="1400" dirty="0" err="1"/>
+              <a:t>som</a:t>
+            </a:r>
+            <a:r>
+              <a:rPr lang="en-US" sz="1400" dirty="0"/>
+              <a:t> </a:t>
+            </a:r>
+            <a:r>
+              <a:rPr lang="en-US" sz="1400" dirty="0" err="1"/>
+              <a:t>tillater</a:t>
+            </a:r>
+            <a:r>
+              <a:rPr lang="en-US" sz="1400" dirty="0"/>
+              <a:t> </a:t>
+            </a:r>
+            <a:r>
+              <a:rPr lang="en-US" sz="1400" dirty="0" err="1"/>
+              <a:t>asynkron</a:t>
+            </a:r>
+            <a:r>
+              <a:rPr lang="en-US" sz="1400" dirty="0"/>
+              <a:t> </a:t>
+            </a:r>
+            <a:r>
+              <a:rPr lang="en-US" sz="1400" dirty="0" err="1"/>
+              <a:t>kommunikasjon</a:t>
+            </a:r>
+            <a:r>
+              <a:rPr lang="en-US" sz="1400" dirty="0"/>
+              <a:t>.</a:t>
             </a:r>
           </a:p>
         </p:txBody>
@@ -28510,8 +29134,56 @@
               <a:buNone/>
             </a:pPr>
             <a:r>
-              <a:rPr lang="en-US" sz="1400"/>
-              <a:t>SQS lar applikasjoner dekomponere i separate tjenester for bedre skalerbarhet.</a:t>
+              <a:rPr lang="en-US" sz="1400" dirty="0"/>
+              <a:t>SQS lar </a:t>
+            </a:r>
+            <a:r>
+              <a:rPr lang="en-US" sz="1400" dirty="0" err="1"/>
+              <a:t>applikasjoner</a:t>
+            </a:r>
+            <a:r>
+              <a:rPr lang="en-US" sz="1400" dirty="0"/>
+              <a:t> </a:t>
+            </a:r>
+            <a:r>
+              <a:rPr lang="en-US" sz="1400" dirty="0" err="1"/>
+              <a:t>dekomponere</a:t>
+            </a:r>
+            <a:r>
+              <a:rPr lang="en-US" sz="1400" dirty="0"/>
+              <a:t> </a:t>
+            </a:r>
+            <a:r>
+              <a:rPr lang="en-US" sz="1400" dirty="0" err="1"/>
+              <a:t>i</a:t>
+            </a:r>
+            <a:r>
+              <a:rPr lang="en-US" sz="1400" dirty="0"/>
+              <a:t> separate </a:t>
+            </a:r>
+            <a:r>
+              <a:rPr lang="en-US" sz="1400" dirty="0" err="1"/>
+              <a:t>tjenester</a:t>
+            </a:r>
+            <a:r>
+              <a:rPr lang="en-US" sz="1400" dirty="0"/>
+              <a:t> for </a:t>
+            </a:r>
+            <a:r>
+              <a:rPr lang="en-US" sz="1400" dirty="0" err="1"/>
+              <a:t>bedre</a:t>
+            </a:r>
+            <a:r>
+              <a:rPr lang="en-US" sz="1400" dirty="0"/>
+              <a:t> </a:t>
+            </a:r>
+            <a:r>
+              <a:rPr lang="en-US" sz="1400" dirty="0" err="1"/>
+              <a:t>skalerbarhet</a:t>
+            </a:r>
+            <a:r>
+              <a:rPr lang="en-US" sz="1400" dirty="0"/>
+              <a:t>.</a:t>
             </a:r>
           </a:p>
         </p:txBody>
@@ -28554,8 +29226,84 @@
               <a:buNone/>
             </a:pPr>
             <a:r>
-              <a:rPr lang="en-US" sz="1400"/>
-              <a:t>Støtter standard og FIFO-køer, sikrer riktig rekkefølge og minst én gang behandling.</a:t>
+              <a:rPr lang="en-US" sz="1400" dirty="0" err="1"/>
+              <a:t>Støtter</a:t>
+            </a:r>
+            <a:r>
+              <a:rPr lang="en-US" sz="1400" dirty="0"/>
+              <a:t> standard </a:t>
+            </a:r>
+            <a:r>
+              <a:rPr lang="en-US" sz="1400" dirty="0" err="1"/>
+              <a:t>og</a:t>
+            </a:r>
+            <a:r>
+              <a:rPr lang="en-US" sz="1400" dirty="0"/>
+              <a:t> FIFO-</a:t>
+            </a:r>
+            <a:r>
+              <a:rPr lang="en-US" sz="1400" dirty="0" err="1"/>
+              <a:t>køer</a:t>
+            </a:r>
+            <a:r>
+              <a:rPr lang="en-US" sz="1400" dirty="0"/>
+              <a:t>, </a:t>
+            </a:r>
+            <a:r>
+              <a:rPr lang="en-US" sz="1400" dirty="0" err="1"/>
+              <a:t>sikrer</a:t>
+            </a:r>
+            <a:r>
+              <a:rPr lang="en-US" sz="1400" dirty="0"/>
+              <a:t> </a:t>
+            </a:r>
+            <a:r>
+              <a:rPr lang="en-US" sz="1400" dirty="0" err="1"/>
+              <a:t>riktig</a:t>
+            </a:r>
+            <a:r>
+              <a:rPr lang="en-US" sz="1400" dirty="0"/>
+              <a:t> </a:t>
+            </a:r>
+            <a:r>
+              <a:rPr lang="en-US" sz="1400" dirty="0" err="1"/>
+              <a:t>rekkefølge</a:t>
+            </a:r>
+            <a:r>
+              <a:rPr lang="en-US" sz="1400" dirty="0"/>
+              <a:t> </a:t>
+            </a:r>
+            <a:r>
+              <a:rPr lang="en-US" sz="1400" dirty="0" err="1"/>
+              <a:t>og</a:t>
+            </a:r>
+            <a:r>
+              <a:rPr lang="en-US" sz="1400" dirty="0"/>
+              <a:t> </a:t>
+            </a:r>
+            <a:r>
+              <a:rPr lang="en-US" sz="1400" dirty="0" err="1"/>
+              <a:t>minst</a:t>
+            </a:r>
+            <a:r>
+              <a:rPr lang="en-US" sz="1400" dirty="0"/>
+              <a:t> </a:t>
+            </a:r>
+            <a:r>
+              <a:rPr lang="en-US" sz="1400" dirty="0" err="1"/>
+              <a:t>én</a:t>
+            </a:r>
+            <a:r>
+              <a:rPr lang="en-US" sz="1400" dirty="0"/>
+              <a:t> gang </a:t>
+            </a:r>
+            <a:r>
+              <a:rPr lang="en-US" sz="1400" dirty="0" err="1"/>
+              <a:t>behandling</a:t>
+            </a:r>
+            <a:r>
+              <a:rPr lang="en-US" sz="1400" dirty="0"/>
+              <a:t>.</a:t>
             </a:r>
           </a:p>
         </p:txBody>
